--- a/slides/openmp-work-sharing-constructs/img/race-condition.pptx
+++ b/slides/openmp-work-sharing-constructs/img/race-condition.pptx
@@ -209,7 +209,7 @@
             <a:fld id="{D163F5F2-8E9E-4652-99DD-657E1B54FA95}" type="datetimeFigureOut">
               <a:rPr lang="en-US" smtClean="0"/>
               <a:pPr/>
-              <a:t>9/8/2017</a:t>
+              <a:t>9/9/2017</a:t>
             </a:fld>
             <a:endParaRPr lang="en-US"/>
           </a:p>
@@ -481,1921 +481,6 @@
 </file>
 
 <file path=ppt/slideLayouts/slideLayout1.xml><?xml version="1.0" encoding="utf-8"?>
-<p:sldLayout xmlns:a="http://schemas.openxmlformats.org/drawingml/2006/main" xmlns:r="http://schemas.openxmlformats.org/officeDocument/2006/relationships" xmlns:p="http://schemas.openxmlformats.org/presentationml/2006/main" showMasterSp="0" preserve="1">
-  <p:cSld name="Module title slide">
-    <p:spTree>
-      <p:nvGrpSpPr>
-        <p:cNvPr id="1" name=""/>
-        <p:cNvGrpSpPr/>
-        <p:nvPr/>
-      </p:nvGrpSpPr>
-      <p:grpSpPr>
-        <a:xfrm>
-          <a:off x="0" y="0"/>
-          <a:ext cx="0" cy="0"/>
-          <a:chOff x="0" y="0"/>
-          <a:chExt cx="0" cy="0"/>
-        </a:xfrm>
-      </p:grpSpPr>
-      <p:pic>
-        <p:nvPicPr>
-          <p:cNvPr id="3" name="Kuva 10" descr="8890755.jpg"/>
-          <p:cNvPicPr>
-            <a:picLocks noChangeAspect="1"/>
-          </p:cNvPicPr>
-          <p:nvPr/>
-        </p:nvPicPr>
-        <p:blipFill>
-          <a:blip r:embed="rId2" cstate="print"/>
-          <a:srcRect/>
-          <a:stretch>
-            <a:fillRect/>
-          </a:stretch>
-        </p:blipFill>
-        <p:spPr bwMode="auto">
-          <a:xfrm>
-            <a:off x="4064000" y="1213322"/>
-            <a:ext cx="5080000" cy="3466629"/>
-          </a:xfrm>
-          <a:prstGeom prst="rect">
-            <a:avLst/>
-          </a:prstGeom>
-          <a:noFill/>
-          <a:ln w="9525">
-            <a:noFill/>
-            <a:miter lim="800000"/>
-            <a:headEnd/>
-            <a:tailEnd/>
-          </a:ln>
-        </p:spPr>
-      </p:pic>
-      <p:pic>
-        <p:nvPicPr>
-          <p:cNvPr id="4" name="Kuva 11" descr="CSClogo.eps"/>
-          <p:cNvPicPr>
-            <a:picLocks noChangeAspect="1"/>
-          </p:cNvPicPr>
-          <p:nvPr/>
-        </p:nvPicPr>
-        <p:blipFill>
-          <a:blip r:embed="rId3" cstate="print"/>
-          <a:srcRect/>
-          <a:stretch>
-            <a:fillRect/>
-          </a:stretch>
-        </p:blipFill>
-        <p:spPr bwMode="auto">
-          <a:xfrm>
-            <a:off x="7812092" y="205831"/>
-            <a:ext cx="1004887" cy="437662"/>
-          </a:xfrm>
-          <a:prstGeom prst="rect">
-            <a:avLst/>
-          </a:prstGeom>
-          <a:noFill/>
-          <a:ln w="9525">
-            <a:noFill/>
-            <a:miter lim="800000"/>
-            <a:headEnd/>
-            <a:tailEnd/>
-          </a:ln>
-        </p:spPr>
-      </p:pic>
-      <p:pic>
-        <p:nvPicPr>
-          <p:cNvPr id="5" name="Kuva 8" descr="kansikuva.jpg"/>
-          <p:cNvPicPr>
-            <a:picLocks noChangeAspect="1"/>
-          </p:cNvPicPr>
-          <p:nvPr/>
-        </p:nvPicPr>
-        <p:blipFill>
-          <a:blip r:embed="rId4" cstate="print"/>
-          <a:srcRect/>
-          <a:stretch>
-            <a:fillRect/>
-          </a:stretch>
-        </p:blipFill>
-        <p:spPr bwMode="auto">
-          <a:xfrm>
-            <a:off x="0" y="0"/>
-            <a:ext cx="9144000" cy="4679950"/>
-          </a:xfrm>
-          <a:prstGeom prst="rect">
-            <a:avLst/>
-          </a:prstGeom>
-          <a:noFill/>
-          <a:ln w="9525">
-            <a:noFill/>
-            <a:miter lim="800000"/>
-            <a:headEnd/>
-            <a:tailEnd/>
-          </a:ln>
-        </p:spPr>
-      </p:pic>
-      <p:pic>
-        <p:nvPicPr>
-          <p:cNvPr id="6" name="Kuva 12" descr="CSClogo.eps"/>
-          <p:cNvPicPr>
-            <a:picLocks noChangeAspect="1"/>
-          </p:cNvPicPr>
-          <p:nvPr/>
-        </p:nvPicPr>
-        <p:blipFill>
-          <a:blip r:embed="rId5" cstate="print"/>
-          <a:srcRect/>
-          <a:stretch>
-            <a:fillRect/>
-          </a:stretch>
-        </p:blipFill>
-        <p:spPr bwMode="auto">
-          <a:xfrm>
-            <a:off x="7696204" y="112351"/>
-            <a:ext cx="1177925" cy="590727"/>
-          </a:xfrm>
-          <a:prstGeom prst="rect">
-            <a:avLst/>
-          </a:prstGeom>
-          <a:noFill/>
-          <a:ln w="9525">
-            <a:noFill/>
-            <a:miter lim="800000"/>
-            <a:headEnd/>
-            <a:tailEnd/>
-          </a:ln>
-        </p:spPr>
-      </p:pic>
-      <p:sp>
-        <p:nvSpPr>
-          <p:cNvPr id="10" name="Otsikko 1"/>
-          <p:cNvSpPr>
-            <a:spLocks noGrp="1"/>
-          </p:cNvSpPr>
-          <p:nvPr>
-            <p:ph type="ctrTitle"/>
-          </p:nvPr>
-        </p:nvSpPr>
-        <p:spPr>
-          <a:xfrm>
-            <a:off x="2382578" y="3376420"/>
-            <a:ext cx="7772400" cy="200356"/>
-          </a:xfrm>
-        </p:spPr>
-        <p:txBody>
-          <a:bodyPr>
-            <a:noAutofit/>
-          </a:bodyPr>
-          <a:lstStyle>
-            <a:lvl1pPr algn="l">
-              <a:defRPr sz="2620">
-                <a:solidFill>
-                  <a:schemeClr val="bg1"/>
-                </a:solidFill>
-              </a:defRPr>
-            </a:lvl1pPr>
-          </a:lstStyle>
-          <a:p>
-            <a:r>
-              <a:rPr lang="en-US" smtClean="0"/>
-              <a:t>Click to edit Master title style</a:t>
-            </a:r>
-            <a:endParaRPr lang="fi-FI" dirty="0"/>
-          </a:p>
-        </p:txBody>
-      </p:sp>
-    </p:spTree>
-    <p:extLst>
-      <p:ext uri="{BB962C8B-B14F-4D97-AF65-F5344CB8AC3E}">
-        <p14:creationId xmlns:p14="http://schemas.microsoft.com/office/powerpoint/2010/main" val="60732493"/>
-      </p:ext>
-    </p:extLst>
-  </p:cSld>
-  <p:clrMapOvr>
-    <a:masterClrMapping/>
-  </p:clrMapOvr>
-</p:sldLayout>
-</file>
-
-<file path=ppt/slideLayouts/slideLayout10.xml><?xml version="1.0" encoding="utf-8"?>
-<p:sldLayout xmlns:a="http://schemas.openxmlformats.org/drawingml/2006/main" xmlns:r="http://schemas.openxmlformats.org/officeDocument/2006/relationships" xmlns:p="http://schemas.openxmlformats.org/presentationml/2006/main" showMasterSp="0" preserve="1">
-  <p:cSld name="Image and title">
-    <p:spTree>
-      <p:nvGrpSpPr>
-        <p:cNvPr id="1" name=""/>
-        <p:cNvGrpSpPr/>
-        <p:nvPr/>
-      </p:nvGrpSpPr>
-      <p:grpSpPr>
-        <a:xfrm>
-          <a:off x="0" y="0"/>
-          <a:ext cx="0" cy="0"/>
-          <a:chOff x="0" y="0"/>
-          <a:chExt cx="0" cy="0"/>
-        </a:xfrm>
-      </p:grpSpPr>
-      <p:pic>
-        <p:nvPicPr>
-          <p:cNvPr id="5" name="Kuva 10" descr="8890755.jpg"/>
-          <p:cNvPicPr>
-            <a:picLocks noChangeAspect="1"/>
-          </p:cNvPicPr>
-          <p:nvPr/>
-        </p:nvPicPr>
-        <p:blipFill>
-          <a:blip r:embed="rId2" cstate="print"/>
-          <a:srcRect/>
-          <a:stretch>
-            <a:fillRect/>
-          </a:stretch>
-        </p:blipFill>
-        <p:spPr bwMode="auto">
-          <a:xfrm>
-            <a:off x="4064000" y="1213322"/>
-            <a:ext cx="5080000" cy="3466629"/>
-          </a:xfrm>
-          <a:prstGeom prst="rect">
-            <a:avLst/>
-          </a:prstGeom>
-          <a:noFill/>
-          <a:ln w="9525">
-            <a:noFill/>
-            <a:miter lim="800000"/>
-            <a:headEnd/>
-            <a:tailEnd/>
-          </a:ln>
-        </p:spPr>
-      </p:pic>
-      <p:sp>
-        <p:nvSpPr>
-          <p:cNvPr id="2" name="Otsikko 1"/>
-          <p:cNvSpPr>
-            <a:spLocks noGrp="1"/>
-          </p:cNvSpPr>
-          <p:nvPr>
-            <p:ph type="title"/>
-          </p:nvPr>
-        </p:nvSpPr>
-        <p:spPr>
-          <a:xfrm>
-            <a:off x="467544" y="4043453"/>
-            <a:ext cx="8496944" cy="386746"/>
-          </a:xfrm>
-        </p:spPr>
-        <p:txBody>
-          <a:bodyPr anchor="b"/>
-          <a:lstStyle>
-            <a:lvl1pPr algn="l">
-              <a:defRPr sz="1638" b="1"/>
-            </a:lvl1pPr>
-          </a:lstStyle>
-          <a:p>
-            <a:r>
-              <a:rPr lang="en-US" smtClean="0"/>
-              <a:t>Click to edit Master title style</a:t>
-            </a:r>
-            <a:endParaRPr lang="fi-FI" dirty="0"/>
-          </a:p>
-        </p:txBody>
-      </p:sp>
-      <p:sp>
-        <p:nvSpPr>
-          <p:cNvPr id="3" name="Kuvan paikkamerkki 2"/>
-          <p:cNvSpPr>
-            <a:spLocks noGrp="1"/>
-          </p:cNvSpPr>
-          <p:nvPr>
-            <p:ph type="pic" idx="1"/>
-          </p:nvPr>
-        </p:nvSpPr>
-        <p:spPr>
-          <a:xfrm>
-            <a:off x="457201" y="418162"/>
-            <a:ext cx="8507289" cy="3559773"/>
-          </a:xfrm>
-        </p:spPr>
-        <p:txBody>
-          <a:bodyPr rtlCol="0">
-            <a:normAutofit/>
-          </a:bodyPr>
-          <a:lstStyle>
-            <a:lvl1pPr marL="0" indent="0">
-              <a:buNone/>
-              <a:defRPr sz="2620"/>
-            </a:lvl1pPr>
-            <a:lvl2pPr marL="374401" indent="0">
-              <a:buNone/>
-              <a:defRPr sz="2293"/>
-            </a:lvl2pPr>
-            <a:lvl3pPr marL="748802" indent="0">
-              <a:buNone/>
-              <a:defRPr sz="1965"/>
-            </a:lvl3pPr>
-            <a:lvl4pPr marL="1123203" indent="0">
-              <a:buNone/>
-              <a:defRPr sz="1638"/>
-            </a:lvl4pPr>
-            <a:lvl5pPr marL="1497604" indent="0">
-              <a:buNone/>
-              <a:defRPr sz="1638"/>
-            </a:lvl5pPr>
-            <a:lvl6pPr marL="1872005" indent="0">
-              <a:buNone/>
-              <a:defRPr sz="1638"/>
-            </a:lvl6pPr>
-            <a:lvl7pPr marL="2246406" indent="0">
-              <a:buNone/>
-              <a:defRPr sz="1638"/>
-            </a:lvl7pPr>
-            <a:lvl8pPr marL="2620808" indent="0">
-              <a:buNone/>
-              <a:defRPr sz="1638"/>
-            </a:lvl8pPr>
-            <a:lvl9pPr marL="2995209" indent="0">
-              <a:buNone/>
-              <a:defRPr sz="1638"/>
-            </a:lvl9pPr>
-          </a:lstStyle>
-          <a:p>
-            <a:pPr lvl="0"/>
-            <a:r>
-              <a:rPr lang="en-US" noProof="0" smtClean="0"/>
-              <a:t>Click icon to add picture</a:t>
-            </a:r>
-            <a:endParaRPr lang="fi-FI" noProof="0"/>
-          </a:p>
-        </p:txBody>
-      </p:sp>
-    </p:spTree>
-    <p:extLst>
-      <p:ext uri="{BB962C8B-B14F-4D97-AF65-F5344CB8AC3E}">
-        <p14:creationId xmlns:p14="http://schemas.microsoft.com/office/powerpoint/2010/main" val="762822019"/>
-      </p:ext>
-    </p:extLst>
-  </p:cSld>
-  <p:clrMapOvr>
-    <a:masterClrMapping/>
-  </p:clrMapOvr>
-</p:sldLayout>
-</file>
-
-<file path=ppt/slideLayouts/slideLayout11.xml><?xml version="1.0" encoding="utf-8"?>
-<p:sldLayout xmlns:a="http://schemas.openxmlformats.org/drawingml/2006/main" xmlns:r="http://schemas.openxmlformats.org/officeDocument/2006/relationships" xmlns:p="http://schemas.openxmlformats.org/presentationml/2006/main" preserve="1" userDrawn="1">
-  <p:cSld name="1_Code example">
-    <p:spTree>
-      <p:nvGrpSpPr>
-        <p:cNvPr id="1" name=""/>
-        <p:cNvGrpSpPr/>
-        <p:nvPr/>
-      </p:nvGrpSpPr>
-      <p:grpSpPr>
-        <a:xfrm>
-          <a:off x="0" y="0"/>
-          <a:ext cx="0" cy="0"/>
-          <a:chOff x="0" y="0"/>
-          <a:chExt cx="0" cy="0"/>
-        </a:xfrm>
-      </p:grpSpPr>
-      <p:sp>
-        <p:nvSpPr>
-          <p:cNvPr id="4" name="Tekstin paikkamerkki 3"/>
-          <p:cNvSpPr>
-            <a:spLocks noGrp="1"/>
-          </p:cNvSpPr>
-          <p:nvPr>
-            <p:ph type="body" sz="half" idx="2"/>
-          </p:nvPr>
-        </p:nvSpPr>
-        <p:spPr>
-          <a:xfrm>
-            <a:off x="457202" y="1029607"/>
-            <a:ext cx="5194918" cy="3537993"/>
-          </a:xfrm>
-        </p:spPr>
-        <p:txBody>
-          <a:bodyPr/>
-          <a:lstStyle>
-            <a:lvl1pPr marL="0" indent="0">
-              <a:buNone/>
-              <a:defRPr sz="1228">
-                <a:latin typeface="DejaVu Sans Mono" pitchFamily="49" charset="0"/>
-                <a:ea typeface="DejaVu Sans Mono" pitchFamily="49" charset="0"/>
-                <a:cs typeface="DejaVu Sans Mono" pitchFamily="49" charset="0"/>
-              </a:defRPr>
-            </a:lvl1pPr>
-            <a:lvl2pPr marL="374401" indent="0">
-              <a:buNone/>
-              <a:defRPr sz="983"/>
-            </a:lvl2pPr>
-            <a:lvl3pPr marL="748802" indent="0">
-              <a:buNone/>
-              <a:defRPr sz="819"/>
-            </a:lvl3pPr>
-            <a:lvl4pPr marL="1123203" indent="0">
-              <a:buNone/>
-              <a:defRPr sz="737"/>
-            </a:lvl4pPr>
-            <a:lvl5pPr marL="1497604" indent="0">
-              <a:buNone/>
-              <a:defRPr sz="737"/>
-            </a:lvl5pPr>
-            <a:lvl6pPr marL="1872005" indent="0">
-              <a:buNone/>
-              <a:defRPr sz="737"/>
-            </a:lvl6pPr>
-            <a:lvl7pPr marL="2246406" indent="0">
-              <a:buNone/>
-              <a:defRPr sz="737"/>
-            </a:lvl7pPr>
-            <a:lvl8pPr marL="2620808" indent="0">
-              <a:buNone/>
-              <a:defRPr sz="737"/>
-            </a:lvl8pPr>
-            <a:lvl9pPr marL="2995209" indent="0">
-              <a:buNone/>
-              <a:defRPr sz="737"/>
-            </a:lvl9pPr>
-          </a:lstStyle>
-          <a:p>
-            <a:pPr lvl="0"/>
-            <a:r>
-              <a:rPr lang="en-US" smtClean="0"/>
-              <a:t>Click to edit Master text styles</a:t>
-            </a:r>
-          </a:p>
-        </p:txBody>
-      </p:sp>
-      <p:sp>
-        <p:nvSpPr>
-          <p:cNvPr id="5" name="Otsikko 1"/>
-          <p:cNvSpPr>
-            <a:spLocks noGrp="1"/>
-          </p:cNvSpPr>
-          <p:nvPr>
-            <p:ph type="title"/>
-          </p:nvPr>
-        </p:nvSpPr>
-        <p:spPr>
-          <a:xfrm>
-            <a:off x="467544" y="177869"/>
-            <a:ext cx="8229600" cy="678160"/>
-          </a:xfrm>
-        </p:spPr>
-        <p:txBody>
-          <a:bodyPr/>
-          <a:lstStyle/>
-          <a:p>
-            <a:r>
-              <a:rPr lang="en-US" smtClean="0"/>
-              <a:t>Click to edit Master title style</a:t>
-            </a:r>
-            <a:endParaRPr lang="fi-FI"/>
-          </a:p>
-        </p:txBody>
-      </p:sp>
-    </p:spTree>
-  </p:cSld>
-  <p:clrMapOvr>
-    <a:masterClrMapping/>
-  </p:clrMapOvr>
-</p:sldLayout>
-</file>
-
-<file path=ppt/slideLayouts/slideLayout12.xml><?xml version="1.0" encoding="utf-8"?>
-<p:sldLayout xmlns:a="http://schemas.openxmlformats.org/drawingml/2006/main" xmlns:r="http://schemas.openxmlformats.org/officeDocument/2006/relationships" xmlns:p="http://schemas.openxmlformats.org/presentationml/2006/main" preserve="1" userDrawn="1">
-  <p:cSld name="1_Code example with remarks">
-    <p:spTree>
-      <p:nvGrpSpPr>
-        <p:cNvPr id="1" name=""/>
-        <p:cNvGrpSpPr/>
-        <p:nvPr/>
-      </p:nvGrpSpPr>
-      <p:grpSpPr>
-        <a:xfrm>
-          <a:off x="0" y="0"/>
-          <a:ext cx="0" cy="0"/>
-          <a:chOff x="0" y="0"/>
-          <a:chExt cx="0" cy="0"/>
-        </a:xfrm>
-      </p:grpSpPr>
-      <p:sp>
-        <p:nvSpPr>
-          <p:cNvPr id="3" name="Sisällön paikkamerkki 2"/>
-          <p:cNvSpPr>
-            <a:spLocks noGrp="1"/>
-          </p:cNvSpPr>
-          <p:nvPr>
-            <p:ph idx="1"/>
-          </p:nvPr>
-        </p:nvSpPr>
-        <p:spPr>
-          <a:xfrm>
-            <a:off x="4860032" y="1029607"/>
-            <a:ext cx="3826768" cy="3537993"/>
-          </a:xfrm>
-        </p:spPr>
-        <p:txBody>
-          <a:bodyPr/>
-          <a:lstStyle>
-            <a:lvl1pPr>
-              <a:defRPr sz="1965"/>
-            </a:lvl1pPr>
-            <a:lvl2pPr>
-              <a:defRPr sz="1802"/>
-            </a:lvl2pPr>
-            <a:lvl3pPr>
-              <a:defRPr sz="1638"/>
-            </a:lvl3pPr>
-            <a:lvl4pPr>
-              <a:defRPr sz="1474"/>
-            </a:lvl4pPr>
-            <a:lvl5pPr>
-              <a:defRPr sz="1310"/>
-            </a:lvl5pPr>
-            <a:lvl6pPr>
-              <a:defRPr sz="1638"/>
-            </a:lvl6pPr>
-            <a:lvl7pPr>
-              <a:defRPr sz="1638"/>
-            </a:lvl7pPr>
-            <a:lvl8pPr>
-              <a:defRPr sz="1638"/>
-            </a:lvl8pPr>
-            <a:lvl9pPr>
-              <a:defRPr sz="1638"/>
-            </a:lvl9pPr>
-          </a:lstStyle>
-          <a:p>
-            <a:pPr lvl="0"/>
-            <a:r>
-              <a:rPr lang="en-US" smtClean="0"/>
-              <a:t>Click to edit Master text styles</a:t>
-            </a:r>
-          </a:p>
-          <a:p>
-            <a:pPr lvl="1"/>
-            <a:r>
-              <a:rPr lang="en-US" smtClean="0"/>
-              <a:t>Second level</a:t>
-            </a:r>
-          </a:p>
-          <a:p>
-            <a:pPr lvl="2"/>
-            <a:r>
-              <a:rPr lang="en-US" smtClean="0"/>
-              <a:t>Third level</a:t>
-            </a:r>
-          </a:p>
-          <a:p>
-            <a:pPr lvl="3"/>
-            <a:r>
-              <a:rPr lang="en-US" smtClean="0"/>
-              <a:t>Fourth level</a:t>
-            </a:r>
-          </a:p>
-          <a:p>
-            <a:pPr lvl="4"/>
-            <a:r>
-              <a:rPr lang="en-US" smtClean="0"/>
-              <a:t>Fifth level</a:t>
-            </a:r>
-            <a:endParaRPr lang="fi-FI" dirty="0"/>
-          </a:p>
-        </p:txBody>
-      </p:sp>
-      <p:sp>
-        <p:nvSpPr>
-          <p:cNvPr id="4" name="Tekstin paikkamerkki 3"/>
-          <p:cNvSpPr>
-            <a:spLocks noGrp="1"/>
-          </p:cNvSpPr>
-          <p:nvPr>
-            <p:ph type="body" sz="half" idx="2"/>
-          </p:nvPr>
-        </p:nvSpPr>
-        <p:spPr>
-          <a:xfrm>
-            <a:off x="457202" y="1029607"/>
-            <a:ext cx="4330822" cy="3537993"/>
-          </a:xfrm>
-        </p:spPr>
-        <p:txBody>
-          <a:bodyPr/>
-          <a:lstStyle>
-            <a:lvl1pPr marL="0" indent="0">
-              <a:buNone/>
-              <a:defRPr sz="1228">
-                <a:latin typeface="DejaVu Sans Mono" pitchFamily="49" charset="0"/>
-                <a:ea typeface="DejaVu Sans Mono" pitchFamily="49" charset="0"/>
-                <a:cs typeface="DejaVu Sans Mono" pitchFamily="49" charset="0"/>
-              </a:defRPr>
-            </a:lvl1pPr>
-            <a:lvl2pPr marL="374401" indent="0">
-              <a:buNone/>
-              <a:defRPr sz="983"/>
-            </a:lvl2pPr>
-            <a:lvl3pPr marL="748802" indent="0">
-              <a:buNone/>
-              <a:defRPr sz="819"/>
-            </a:lvl3pPr>
-            <a:lvl4pPr marL="1123203" indent="0">
-              <a:buNone/>
-              <a:defRPr sz="737"/>
-            </a:lvl4pPr>
-            <a:lvl5pPr marL="1497604" indent="0">
-              <a:buNone/>
-              <a:defRPr sz="737"/>
-            </a:lvl5pPr>
-            <a:lvl6pPr marL="1872005" indent="0">
-              <a:buNone/>
-              <a:defRPr sz="737"/>
-            </a:lvl6pPr>
-            <a:lvl7pPr marL="2246406" indent="0">
-              <a:buNone/>
-              <a:defRPr sz="737"/>
-            </a:lvl7pPr>
-            <a:lvl8pPr marL="2620808" indent="0">
-              <a:buNone/>
-              <a:defRPr sz="737"/>
-            </a:lvl8pPr>
-            <a:lvl9pPr marL="2995209" indent="0">
-              <a:buNone/>
-              <a:defRPr sz="737"/>
-            </a:lvl9pPr>
-          </a:lstStyle>
-          <a:p>
-            <a:pPr lvl="0"/>
-            <a:r>
-              <a:rPr lang="en-US" smtClean="0"/>
-              <a:t>Click to edit Master text styles</a:t>
-            </a:r>
-          </a:p>
-        </p:txBody>
-      </p:sp>
-      <p:sp>
-        <p:nvSpPr>
-          <p:cNvPr id="5" name="Otsikko 1"/>
-          <p:cNvSpPr>
-            <a:spLocks noGrp="1"/>
-          </p:cNvSpPr>
-          <p:nvPr>
-            <p:ph type="title"/>
-          </p:nvPr>
-        </p:nvSpPr>
-        <p:spPr>
-          <a:xfrm>
-            <a:off x="467544" y="177869"/>
-            <a:ext cx="8229600" cy="678160"/>
-          </a:xfrm>
-        </p:spPr>
-        <p:txBody>
-          <a:bodyPr/>
-          <a:lstStyle/>
-          <a:p>
-            <a:r>
-              <a:rPr lang="en-US" smtClean="0"/>
-              <a:t>Click to edit Master title style</a:t>
-            </a:r>
-            <a:endParaRPr lang="fi-FI"/>
-          </a:p>
-        </p:txBody>
-      </p:sp>
-    </p:spTree>
-  </p:cSld>
-  <p:clrMapOvr>
-    <a:masterClrMapping/>
-  </p:clrMapOvr>
-</p:sldLayout>
-</file>
-
-<file path=ppt/slideLayouts/slideLayout13.xml><?xml version="1.0" encoding="utf-8"?>
-<p:sldLayout xmlns:a="http://schemas.openxmlformats.org/drawingml/2006/main" xmlns:r="http://schemas.openxmlformats.org/officeDocument/2006/relationships" xmlns:p="http://schemas.openxmlformats.org/presentationml/2006/main" showMasterSp="0" preserve="1" userDrawn="1">
-  <p:cSld name="1_Image and title">
-    <p:spTree>
-      <p:nvGrpSpPr>
-        <p:cNvPr id="1" name=""/>
-        <p:cNvGrpSpPr/>
-        <p:nvPr/>
-      </p:nvGrpSpPr>
-      <p:grpSpPr>
-        <a:xfrm>
-          <a:off x="0" y="0"/>
-          <a:ext cx="0" cy="0"/>
-          <a:chOff x="0" y="0"/>
-          <a:chExt cx="0" cy="0"/>
-        </a:xfrm>
-      </p:grpSpPr>
-      <p:pic>
-        <p:nvPicPr>
-          <p:cNvPr id="5" name="Kuva 10" descr="8890755.jpg"/>
-          <p:cNvPicPr>
-            <a:picLocks noChangeAspect="1"/>
-          </p:cNvPicPr>
-          <p:nvPr/>
-        </p:nvPicPr>
-        <p:blipFill>
-          <a:blip r:embed="rId2" cstate="print"/>
-          <a:srcRect/>
-          <a:stretch>
-            <a:fillRect/>
-          </a:stretch>
-        </p:blipFill>
-        <p:spPr bwMode="auto">
-          <a:xfrm>
-            <a:off x="4064000" y="1213323"/>
-            <a:ext cx="5080000" cy="3466629"/>
-          </a:xfrm>
-          <a:prstGeom prst="rect">
-            <a:avLst/>
-          </a:prstGeom>
-          <a:noFill/>
-          <a:ln w="9525">
-            <a:noFill/>
-            <a:miter lim="800000"/>
-            <a:headEnd/>
-            <a:tailEnd/>
-          </a:ln>
-        </p:spPr>
-      </p:pic>
-      <p:sp>
-        <p:nvSpPr>
-          <p:cNvPr id="2" name="Otsikko 1"/>
-          <p:cNvSpPr>
-            <a:spLocks noGrp="1"/>
-          </p:cNvSpPr>
-          <p:nvPr>
-            <p:ph type="title"/>
-          </p:nvPr>
-        </p:nvSpPr>
-        <p:spPr>
-          <a:xfrm>
-            <a:off x="467544" y="4043453"/>
-            <a:ext cx="8496944" cy="386746"/>
-          </a:xfrm>
-        </p:spPr>
-        <p:txBody>
-          <a:bodyPr anchor="b"/>
-          <a:lstStyle>
-            <a:lvl1pPr algn="l">
-              <a:defRPr sz="1638" b="1"/>
-            </a:lvl1pPr>
-          </a:lstStyle>
-          <a:p>
-            <a:r>
-              <a:rPr lang="en-US" smtClean="0"/>
-              <a:t>Click to edit Master title style</a:t>
-            </a:r>
-            <a:endParaRPr lang="fi-FI" dirty="0"/>
-          </a:p>
-        </p:txBody>
-      </p:sp>
-      <p:sp>
-        <p:nvSpPr>
-          <p:cNvPr id="3" name="Kuvan paikkamerkki 2"/>
-          <p:cNvSpPr>
-            <a:spLocks noGrp="1"/>
-          </p:cNvSpPr>
-          <p:nvPr>
-            <p:ph type="pic" idx="1"/>
-          </p:nvPr>
-        </p:nvSpPr>
-        <p:spPr>
-          <a:xfrm>
-            <a:off x="457205" y="418164"/>
-            <a:ext cx="8507289" cy="3559773"/>
-          </a:xfrm>
-        </p:spPr>
-        <p:txBody>
-          <a:bodyPr rtlCol="0">
-            <a:normAutofit/>
-          </a:bodyPr>
-          <a:lstStyle>
-            <a:lvl1pPr marL="0" indent="0">
-              <a:buNone/>
-              <a:defRPr sz="2620"/>
-            </a:lvl1pPr>
-            <a:lvl2pPr marL="374401" indent="0">
-              <a:buNone/>
-              <a:defRPr sz="2293"/>
-            </a:lvl2pPr>
-            <a:lvl3pPr marL="748802" indent="0">
-              <a:buNone/>
-              <a:defRPr sz="1965"/>
-            </a:lvl3pPr>
-            <a:lvl4pPr marL="1123203" indent="0">
-              <a:buNone/>
-              <a:defRPr sz="1638"/>
-            </a:lvl4pPr>
-            <a:lvl5pPr marL="1497604" indent="0">
-              <a:buNone/>
-              <a:defRPr sz="1638"/>
-            </a:lvl5pPr>
-            <a:lvl6pPr marL="1872005" indent="0">
-              <a:buNone/>
-              <a:defRPr sz="1638"/>
-            </a:lvl6pPr>
-            <a:lvl7pPr marL="2246406" indent="0">
-              <a:buNone/>
-              <a:defRPr sz="1638"/>
-            </a:lvl7pPr>
-            <a:lvl8pPr marL="2620808" indent="0">
-              <a:buNone/>
-              <a:defRPr sz="1638"/>
-            </a:lvl8pPr>
-            <a:lvl9pPr marL="2995209" indent="0">
-              <a:buNone/>
-              <a:defRPr sz="1638"/>
-            </a:lvl9pPr>
-          </a:lstStyle>
-          <a:p>
-            <a:pPr lvl="0"/>
-            <a:r>
-              <a:rPr lang="en-US" noProof="0" smtClean="0"/>
-              <a:t>Click icon to add picture</a:t>
-            </a:r>
-            <a:endParaRPr lang="fi-FI" noProof="0"/>
-          </a:p>
-        </p:txBody>
-      </p:sp>
-    </p:spTree>
-  </p:cSld>
-  <p:clrMapOvr>
-    <a:masterClrMapping/>
-  </p:clrMapOvr>
-</p:sldLayout>
-</file>
-
-<file path=ppt/slideLayouts/slideLayout2.xml><?xml version="1.0" encoding="utf-8"?>
-<p:sldLayout xmlns:a="http://schemas.openxmlformats.org/drawingml/2006/main" xmlns:r="http://schemas.openxmlformats.org/officeDocument/2006/relationships" xmlns:p="http://schemas.openxmlformats.org/presentationml/2006/main" showMasterSp="0" type="obj" preserve="1">
-  <p:cSld name="Title and Content">
-    <p:spTree>
-      <p:nvGrpSpPr>
-        <p:cNvPr id="1" name=""/>
-        <p:cNvGrpSpPr/>
-        <p:nvPr/>
-      </p:nvGrpSpPr>
-      <p:grpSpPr>
-        <a:xfrm>
-          <a:off x="0" y="0"/>
-          <a:ext cx="0" cy="0"/>
-          <a:chOff x="0" y="0"/>
-          <a:chExt cx="0" cy="0"/>
-        </a:xfrm>
-      </p:grpSpPr>
-      <p:pic>
-        <p:nvPicPr>
-          <p:cNvPr id="4" name="Kuva 10" descr="8890755.jpg"/>
-          <p:cNvPicPr>
-            <a:picLocks noChangeAspect="1"/>
-          </p:cNvPicPr>
-          <p:nvPr/>
-        </p:nvPicPr>
-        <p:blipFill>
-          <a:blip r:embed="rId2" cstate="print"/>
-          <a:srcRect/>
-          <a:stretch>
-            <a:fillRect/>
-          </a:stretch>
-        </p:blipFill>
-        <p:spPr bwMode="auto">
-          <a:xfrm>
-            <a:off x="4064000" y="1213322"/>
-            <a:ext cx="5080000" cy="3466629"/>
-          </a:xfrm>
-          <a:prstGeom prst="rect">
-            <a:avLst/>
-          </a:prstGeom>
-          <a:noFill/>
-          <a:ln w="9525">
-            <a:noFill/>
-            <a:miter lim="800000"/>
-            <a:headEnd/>
-            <a:tailEnd/>
-          </a:ln>
-        </p:spPr>
-      </p:pic>
-      <p:sp>
-        <p:nvSpPr>
-          <p:cNvPr id="2" name="Otsikko 1"/>
-          <p:cNvSpPr>
-            <a:spLocks noGrp="1"/>
-          </p:cNvSpPr>
-          <p:nvPr>
-            <p:ph type="title"/>
-          </p:nvPr>
-        </p:nvSpPr>
-        <p:spPr/>
-        <p:txBody>
-          <a:bodyPr/>
-          <a:lstStyle>
-            <a:lvl1pPr>
-              <a:defRPr>
-                <a:solidFill>
-                  <a:srgbClr val="939FA8"/>
-                </a:solidFill>
-                <a:latin typeface="Calibri" pitchFamily="34" charset="0"/>
-                <a:ea typeface="Verdana" pitchFamily="34" charset="0"/>
-                <a:cs typeface="Calibri" pitchFamily="34" charset="0"/>
-              </a:defRPr>
-            </a:lvl1pPr>
-          </a:lstStyle>
-          <a:p>
-            <a:r>
-              <a:rPr lang="en-US" smtClean="0"/>
-              <a:t>Click to edit Master title style</a:t>
-            </a:r>
-            <a:endParaRPr lang="fi-FI" dirty="0"/>
-          </a:p>
-        </p:txBody>
-      </p:sp>
-      <p:sp>
-        <p:nvSpPr>
-          <p:cNvPr id="3" name="Sisällön paikkamerkki 2"/>
-          <p:cNvSpPr>
-            <a:spLocks noGrp="1"/>
-          </p:cNvSpPr>
-          <p:nvPr>
-            <p:ph idx="1"/>
-          </p:nvPr>
-        </p:nvSpPr>
-        <p:spPr>
-          <a:xfrm>
-            <a:off x="457200" y="964089"/>
-            <a:ext cx="8229600" cy="3537993"/>
-          </a:xfrm>
-        </p:spPr>
-        <p:txBody>
-          <a:bodyPr/>
-          <a:lstStyle>
-            <a:lvl1pPr>
-              <a:buClr>
-                <a:schemeClr val="bg2"/>
-              </a:buClr>
-              <a:defRPr/>
-            </a:lvl1pPr>
-          </a:lstStyle>
-          <a:p>
-            <a:pPr lvl="0"/>
-            <a:r>
-              <a:rPr lang="en-US" smtClean="0"/>
-              <a:t>Click to edit Master text styles</a:t>
-            </a:r>
-          </a:p>
-          <a:p>
-            <a:pPr lvl="1"/>
-            <a:r>
-              <a:rPr lang="en-US" smtClean="0"/>
-              <a:t>Second level</a:t>
-            </a:r>
-          </a:p>
-          <a:p>
-            <a:pPr lvl="2"/>
-            <a:r>
-              <a:rPr lang="en-US" smtClean="0"/>
-              <a:t>Third level</a:t>
-            </a:r>
-          </a:p>
-          <a:p>
-            <a:pPr lvl="3"/>
-            <a:r>
-              <a:rPr lang="en-US" smtClean="0"/>
-              <a:t>Fourth level</a:t>
-            </a:r>
-          </a:p>
-          <a:p>
-            <a:pPr lvl="4"/>
-            <a:r>
-              <a:rPr lang="en-US" smtClean="0"/>
-              <a:t>Fifth level</a:t>
-            </a:r>
-            <a:endParaRPr lang="fi-FI" dirty="0"/>
-          </a:p>
-        </p:txBody>
-      </p:sp>
-    </p:spTree>
-    <p:extLst>
-      <p:ext uri="{BB962C8B-B14F-4D97-AF65-F5344CB8AC3E}">
-        <p14:creationId xmlns:p14="http://schemas.microsoft.com/office/powerpoint/2010/main" val="3297702256"/>
-      </p:ext>
-    </p:extLst>
-  </p:cSld>
-  <p:clrMapOvr>
-    <a:masterClrMapping/>
-  </p:clrMapOvr>
-</p:sldLayout>
-</file>
-
-<file path=ppt/slideLayouts/slideLayout3.xml><?xml version="1.0" encoding="utf-8"?>
-<p:sldLayout xmlns:a="http://schemas.openxmlformats.org/drawingml/2006/main" xmlns:r="http://schemas.openxmlformats.org/officeDocument/2006/relationships" xmlns:p="http://schemas.openxmlformats.org/presentationml/2006/main" showMasterSp="0" type="secHead" preserve="1">
-  <p:cSld name="Section Header">
-    <p:spTree>
-      <p:nvGrpSpPr>
-        <p:cNvPr id="1" name=""/>
-        <p:cNvGrpSpPr/>
-        <p:nvPr/>
-      </p:nvGrpSpPr>
-      <p:grpSpPr>
-        <a:xfrm>
-          <a:off x="0" y="0"/>
-          <a:ext cx="0" cy="0"/>
-          <a:chOff x="0" y="0"/>
-          <a:chExt cx="0" cy="0"/>
-        </a:xfrm>
-      </p:grpSpPr>
-      <p:pic>
-        <p:nvPicPr>
-          <p:cNvPr id="4" name="Kuva 10" descr="8890755.jpg"/>
-          <p:cNvPicPr>
-            <a:picLocks noChangeAspect="1"/>
-          </p:cNvPicPr>
-          <p:nvPr/>
-        </p:nvPicPr>
-        <p:blipFill>
-          <a:blip r:embed="rId2" cstate="print"/>
-          <a:srcRect/>
-          <a:stretch>
-            <a:fillRect/>
-          </a:stretch>
-        </p:blipFill>
-        <p:spPr bwMode="auto">
-          <a:xfrm>
-            <a:off x="4064000" y="1213322"/>
-            <a:ext cx="5080000" cy="3466629"/>
-          </a:xfrm>
-          <a:prstGeom prst="rect">
-            <a:avLst/>
-          </a:prstGeom>
-          <a:noFill/>
-          <a:ln w="9525">
-            <a:noFill/>
-            <a:miter lim="800000"/>
-            <a:headEnd/>
-            <a:tailEnd/>
-          </a:ln>
-        </p:spPr>
-      </p:pic>
-      <p:sp>
-        <p:nvSpPr>
-          <p:cNvPr id="2" name="Otsikko 1"/>
-          <p:cNvSpPr>
-            <a:spLocks noGrp="1"/>
-          </p:cNvSpPr>
-          <p:nvPr>
-            <p:ph type="title"/>
-          </p:nvPr>
-        </p:nvSpPr>
-        <p:spPr>
-          <a:xfrm>
-            <a:off x="722313" y="1880649"/>
-            <a:ext cx="7772400" cy="929490"/>
-          </a:xfrm>
-        </p:spPr>
-        <p:txBody>
-          <a:bodyPr anchor="t"/>
-          <a:lstStyle>
-            <a:lvl1pPr algn="l">
-              <a:defRPr sz="2293" b="1" cap="all"/>
-            </a:lvl1pPr>
-          </a:lstStyle>
-          <a:p>
-            <a:r>
-              <a:rPr lang="en-US" smtClean="0"/>
-              <a:t>Click to edit Master title style</a:t>
-            </a:r>
-            <a:endParaRPr lang="fi-FI" dirty="0"/>
-          </a:p>
-        </p:txBody>
-      </p:sp>
-      <p:sp>
-        <p:nvSpPr>
-          <p:cNvPr id="3" name="Tekstin paikkamerkki 2"/>
-          <p:cNvSpPr>
-            <a:spLocks noGrp="1"/>
-          </p:cNvSpPr>
-          <p:nvPr>
-            <p:ph type="body" idx="1"/>
-          </p:nvPr>
-        </p:nvSpPr>
-        <p:spPr>
-          <a:xfrm>
-            <a:off x="722313" y="856908"/>
-            <a:ext cx="7772400" cy="1023739"/>
-          </a:xfrm>
-        </p:spPr>
-        <p:txBody>
-          <a:bodyPr anchor="b"/>
-          <a:lstStyle>
-            <a:lvl1pPr marL="0" indent="0">
-              <a:buNone/>
-              <a:defRPr sz="1638">
-                <a:solidFill>
-                  <a:schemeClr val="tx1">
-                    <a:tint val="75000"/>
-                  </a:schemeClr>
-                </a:solidFill>
-              </a:defRPr>
-            </a:lvl1pPr>
-            <a:lvl2pPr marL="374401" indent="0">
-              <a:buNone/>
-              <a:defRPr sz="1474">
-                <a:solidFill>
-                  <a:schemeClr val="tx1">
-                    <a:tint val="75000"/>
-                  </a:schemeClr>
-                </a:solidFill>
-              </a:defRPr>
-            </a:lvl2pPr>
-            <a:lvl3pPr marL="748802" indent="0">
-              <a:buNone/>
-              <a:defRPr sz="1310">
-                <a:solidFill>
-                  <a:schemeClr val="tx1">
-                    <a:tint val="75000"/>
-                  </a:schemeClr>
-                </a:solidFill>
-              </a:defRPr>
-            </a:lvl3pPr>
-            <a:lvl4pPr marL="1123203" indent="0">
-              <a:buNone/>
-              <a:defRPr sz="1146">
-                <a:solidFill>
-                  <a:schemeClr val="tx1">
-                    <a:tint val="75000"/>
-                  </a:schemeClr>
-                </a:solidFill>
-              </a:defRPr>
-            </a:lvl4pPr>
-            <a:lvl5pPr marL="1497604" indent="0">
-              <a:buNone/>
-              <a:defRPr sz="1146">
-                <a:solidFill>
-                  <a:schemeClr val="tx1">
-                    <a:tint val="75000"/>
-                  </a:schemeClr>
-                </a:solidFill>
-              </a:defRPr>
-            </a:lvl5pPr>
-            <a:lvl6pPr marL="1872005" indent="0">
-              <a:buNone/>
-              <a:defRPr sz="1146">
-                <a:solidFill>
-                  <a:schemeClr val="tx1">
-                    <a:tint val="75000"/>
-                  </a:schemeClr>
-                </a:solidFill>
-              </a:defRPr>
-            </a:lvl6pPr>
-            <a:lvl7pPr marL="2246406" indent="0">
-              <a:buNone/>
-              <a:defRPr sz="1146">
-                <a:solidFill>
-                  <a:schemeClr val="tx1">
-                    <a:tint val="75000"/>
-                  </a:schemeClr>
-                </a:solidFill>
-              </a:defRPr>
-            </a:lvl7pPr>
-            <a:lvl8pPr marL="2620808" indent="0">
-              <a:buNone/>
-              <a:defRPr sz="1146">
-                <a:solidFill>
-                  <a:schemeClr val="tx1">
-                    <a:tint val="75000"/>
-                  </a:schemeClr>
-                </a:solidFill>
-              </a:defRPr>
-            </a:lvl8pPr>
-            <a:lvl9pPr marL="2995209" indent="0">
-              <a:buNone/>
-              <a:defRPr sz="1146">
-                <a:solidFill>
-                  <a:schemeClr val="tx1">
-                    <a:tint val="75000"/>
-                  </a:schemeClr>
-                </a:solidFill>
-              </a:defRPr>
-            </a:lvl9pPr>
-          </a:lstStyle>
-          <a:p>
-            <a:pPr lvl="0"/>
-            <a:r>
-              <a:rPr lang="en-US" smtClean="0"/>
-              <a:t>Click to edit Master text styles</a:t>
-            </a:r>
-          </a:p>
-        </p:txBody>
-      </p:sp>
-    </p:spTree>
-    <p:extLst>
-      <p:ext uri="{BB962C8B-B14F-4D97-AF65-F5344CB8AC3E}">
-        <p14:creationId xmlns:p14="http://schemas.microsoft.com/office/powerpoint/2010/main" val="1182859410"/>
-      </p:ext>
-    </p:extLst>
-  </p:cSld>
-  <p:clrMapOvr>
-    <a:masterClrMapping/>
-  </p:clrMapOvr>
-</p:sldLayout>
-</file>
-
-<file path=ppt/slideLayouts/slideLayout4.xml><?xml version="1.0" encoding="utf-8"?>
-<p:sldLayout xmlns:a="http://schemas.openxmlformats.org/drawingml/2006/main" xmlns:r="http://schemas.openxmlformats.org/officeDocument/2006/relationships" xmlns:p="http://schemas.openxmlformats.org/presentationml/2006/main" showMasterSp="0" type="twoObj" preserve="1">
-  <p:cSld name="Two column content">
-    <p:spTree>
-      <p:nvGrpSpPr>
-        <p:cNvPr id="1" name=""/>
-        <p:cNvGrpSpPr/>
-        <p:nvPr/>
-      </p:nvGrpSpPr>
-      <p:grpSpPr>
-        <a:xfrm>
-          <a:off x="0" y="0"/>
-          <a:ext cx="0" cy="0"/>
-          <a:chOff x="0" y="0"/>
-          <a:chExt cx="0" cy="0"/>
-        </a:xfrm>
-      </p:grpSpPr>
-      <p:pic>
-        <p:nvPicPr>
-          <p:cNvPr id="5" name="Kuva 10" descr="8890755.jpg"/>
-          <p:cNvPicPr>
-            <a:picLocks noChangeAspect="1"/>
-          </p:cNvPicPr>
-          <p:nvPr/>
-        </p:nvPicPr>
-        <p:blipFill>
-          <a:blip r:embed="rId2" cstate="print"/>
-          <a:srcRect/>
-          <a:stretch>
-            <a:fillRect/>
-          </a:stretch>
-        </p:blipFill>
-        <p:spPr bwMode="auto">
-          <a:xfrm>
-            <a:off x="4064000" y="1213322"/>
-            <a:ext cx="5080000" cy="3466629"/>
-          </a:xfrm>
-          <a:prstGeom prst="rect">
-            <a:avLst/>
-          </a:prstGeom>
-          <a:noFill/>
-          <a:ln w="9525">
-            <a:noFill/>
-            <a:miter lim="800000"/>
-            <a:headEnd/>
-            <a:tailEnd/>
-          </a:ln>
-        </p:spPr>
-      </p:pic>
-      <p:sp>
-        <p:nvSpPr>
-          <p:cNvPr id="2" name="Otsikko 1"/>
-          <p:cNvSpPr>
-            <a:spLocks noGrp="1"/>
-          </p:cNvSpPr>
-          <p:nvPr>
-            <p:ph type="title"/>
-          </p:nvPr>
-        </p:nvSpPr>
-        <p:spPr>
-          <a:xfrm>
-            <a:off x="467544" y="177868"/>
-            <a:ext cx="8229600" cy="677791"/>
-          </a:xfrm>
-        </p:spPr>
-        <p:txBody>
-          <a:bodyPr/>
-          <a:lstStyle/>
-          <a:p>
-            <a:r>
-              <a:rPr lang="en-US" smtClean="0"/>
-              <a:t>Click to edit Master title style</a:t>
-            </a:r>
-            <a:endParaRPr lang="fi-FI" dirty="0"/>
-          </a:p>
-        </p:txBody>
-      </p:sp>
-      <p:sp>
-        <p:nvSpPr>
-          <p:cNvPr id="3" name="Sisällön paikkamerkki 2"/>
-          <p:cNvSpPr>
-            <a:spLocks noGrp="1"/>
-          </p:cNvSpPr>
-          <p:nvPr>
-            <p:ph sz="half" idx="1"/>
-          </p:nvPr>
-        </p:nvSpPr>
-        <p:spPr>
-          <a:xfrm>
-            <a:off x="457200" y="1029607"/>
-            <a:ext cx="4038600" cy="3472475"/>
-          </a:xfrm>
-        </p:spPr>
-        <p:txBody>
-          <a:bodyPr/>
-          <a:lstStyle>
-            <a:lvl1pPr>
-              <a:defRPr sz="1965"/>
-            </a:lvl1pPr>
-            <a:lvl2pPr>
-              <a:defRPr sz="1802"/>
-            </a:lvl2pPr>
-            <a:lvl3pPr marL="884412">
-              <a:defRPr sz="1638"/>
-            </a:lvl3pPr>
-            <a:lvl4pPr marL="1179216">
-              <a:defRPr sz="1474"/>
-            </a:lvl4pPr>
-            <a:lvl5pPr marL="1474020">
-              <a:defRPr sz="1310"/>
-            </a:lvl5pPr>
-            <a:lvl6pPr>
-              <a:defRPr sz="1474"/>
-            </a:lvl6pPr>
-            <a:lvl7pPr>
-              <a:defRPr sz="1474"/>
-            </a:lvl7pPr>
-            <a:lvl8pPr>
-              <a:defRPr sz="1474"/>
-            </a:lvl8pPr>
-            <a:lvl9pPr>
-              <a:defRPr sz="1474"/>
-            </a:lvl9pPr>
-          </a:lstStyle>
-          <a:p>
-            <a:pPr lvl="0"/>
-            <a:r>
-              <a:rPr lang="en-US" smtClean="0"/>
-              <a:t>Click to edit Master text styles</a:t>
-            </a:r>
-          </a:p>
-          <a:p>
-            <a:pPr lvl="1"/>
-            <a:r>
-              <a:rPr lang="en-US" smtClean="0"/>
-              <a:t>Second level</a:t>
-            </a:r>
-          </a:p>
-          <a:p>
-            <a:pPr lvl="2"/>
-            <a:r>
-              <a:rPr lang="en-US" smtClean="0"/>
-              <a:t>Third level</a:t>
-            </a:r>
-          </a:p>
-          <a:p>
-            <a:pPr lvl="3"/>
-            <a:r>
-              <a:rPr lang="en-US" smtClean="0"/>
-              <a:t>Fourth level</a:t>
-            </a:r>
-          </a:p>
-          <a:p>
-            <a:pPr lvl="4"/>
-            <a:r>
-              <a:rPr lang="en-US" smtClean="0"/>
-              <a:t>Fifth level</a:t>
-            </a:r>
-            <a:endParaRPr lang="fi-FI" dirty="0"/>
-          </a:p>
-        </p:txBody>
-      </p:sp>
-      <p:sp>
-        <p:nvSpPr>
-          <p:cNvPr id="4" name="Sisällön paikkamerkki 3"/>
-          <p:cNvSpPr>
-            <a:spLocks noGrp="1"/>
-          </p:cNvSpPr>
-          <p:nvPr>
-            <p:ph sz="half" idx="2"/>
-          </p:nvPr>
-        </p:nvSpPr>
-        <p:spPr>
-          <a:xfrm>
-            <a:off x="4648200" y="1029607"/>
-            <a:ext cx="4038600" cy="3472475"/>
-          </a:xfrm>
-        </p:spPr>
-        <p:txBody>
-          <a:bodyPr/>
-          <a:lstStyle>
-            <a:lvl1pPr>
-              <a:defRPr sz="1965"/>
-            </a:lvl1pPr>
-            <a:lvl2pPr>
-              <a:defRPr sz="1802"/>
-            </a:lvl2pPr>
-            <a:lvl3pPr marL="884412">
-              <a:defRPr sz="1638"/>
-            </a:lvl3pPr>
-            <a:lvl4pPr marL="1179216">
-              <a:defRPr sz="1474"/>
-            </a:lvl4pPr>
-            <a:lvl5pPr marL="1474020">
-              <a:defRPr sz="1310"/>
-            </a:lvl5pPr>
-            <a:lvl6pPr>
-              <a:defRPr sz="1474"/>
-            </a:lvl6pPr>
-            <a:lvl7pPr>
-              <a:defRPr sz="1474"/>
-            </a:lvl7pPr>
-            <a:lvl8pPr>
-              <a:defRPr sz="1474"/>
-            </a:lvl8pPr>
-            <a:lvl9pPr>
-              <a:defRPr sz="1474"/>
-            </a:lvl9pPr>
-          </a:lstStyle>
-          <a:p>
-            <a:pPr lvl="0"/>
-            <a:r>
-              <a:rPr lang="en-US" smtClean="0"/>
-              <a:t>Click to edit Master text styles</a:t>
-            </a:r>
-          </a:p>
-          <a:p>
-            <a:pPr lvl="1"/>
-            <a:r>
-              <a:rPr lang="en-US" smtClean="0"/>
-              <a:t>Second level</a:t>
-            </a:r>
-          </a:p>
-          <a:p>
-            <a:pPr lvl="2"/>
-            <a:r>
-              <a:rPr lang="en-US" smtClean="0"/>
-              <a:t>Third level</a:t>
-            </a:r>
-          </a:p>
-          <a:p>
-            <a:pPr lvl="3"/>
-            <a:r>
-              <a:rPr lang="en-US" smtClean="0"/>
-              <a:t>Fourth level</a:t>
-            </a:r>
-          </a:p>
-          <a:p>
-            <a:pPr lvl="4"/>
-            <a:r>
-              <a:rPr lang="en-US" smtClean="0"/>
-              <a:t>Fifth level</a:t>
-            </a:r>
-            <a:endParaRPr lang="fi-FI" dirty="0"/>
-          </a:p>
-        </p:txBody>
-      </p:sp>
-      <p:pic>
-        <p:nvPicPr>
-          <p:cNvPr id="6" name="Kuva 10" descr="8890755.jpg"/>
-          <p:cNvPicPr>
-            <a:picLocks noChangeAspect="1"/>
-          </p:cNvPicPr>
-          <p:nvPr userDrawn="1"/>
-        </p:nvPicPr>
-        <p:blipFill>
-          <a:blip r:embed="rId2" cstate="print"/>
-          <a:srcRect/>
-          <a:stretch>
-            <a:fillRect/>
-          </a:stretch>
-        </p:blipFill>
-        <p:spPr bwMode="auto">
-          <a:xfrm>
-            <a:off x="4064000" y="1213323"/>
-            <a:ext cx="5080000" cy="3466629"/>
-          </a:xfrm>
-          <a:prstGeom prst="rect">
-            <a:avLst/>
-          </a:prstGeom>
-          <a:noFill/>
-          <a:ln w="9525">
-            <a:noFill/>
-            <a:miter lim="800000"/>
-            <a:headEnd/>
-            <a:tailEnd/>
-          </a:ln>
-        </p:spPr>
-      </p:pic>
-    </p:spTree>
-    <p:extLst>
-      <p:ext uri="{BB962C8B-B14F-4D97-AF65-F5344CB8AC3E}">
-        <p14:creationId xmlns:p14="http://schemas.microsoft.com/office/powerpoint/2010/main" val="3262322352"/>
-      </p:ext>
-    </p:extLst>
-  </p:cSld>
-  <p:clrMapOvr>
-    <a:masterClrMapping/>
-  </p:clrMapOvr>
-</p:sldLayout>
-</file>
-
-<file path=ppt/slideLayouts/slideLayout5.xml><?xml version="1.0" encoding="utf-8"?>
-<p:sldLayout xmlns:a="http://schemas.openxmlformats.org/drawingml/2006/main" xmlns:r="http://schemas.openxmlformats.org/officeDocument/2006/relationships" xmlns:p="http://schemas.openxmlformats.org/presentationml/2006/main" showMasterSp="0" type="twoTxTwoObj" preserve="1">
-  <p:cSld name="Comparison">
-    <p:spTree>
-      <p:nvGrpSpPr>
-        <p:cNvPr id="1" name=""/>
-        <p:cNvGrpSpPr/>
-        <p:nvPr/>
-      </p:nvGrpSpPr>
-      <p:grpSpPr>
-        <a:xfrm>
-          <a:off x="0" y="0"/>
-          <a:ext cx="0" cy="0"/>
-          <a:chOff x="0" y="0"/>
-          <a:chExt cx="0" cy="0"/>
-        </a:xfrm>
-      </p:grpSpPr>
-      <p:pic>
-        <p:nvPicPr>
-          <p:cNvPr id="7" name="Kuva 10" descr="8890755.jpg"/>
-          <p:cNvPicPr>
-            <a:picLocks noChangeAspect="1"/>
-          </p:cNvPicPr>
-          <p:nvPr/>
-        </p:nvPicPr>
-        <p:blipFill>
-          <a:blip r:embed="rId2" cstate="print"/>
-          <a:srcRect/>
-          <a:stretch>
-            <a:fillRect/>
-          </a:stretch>
-        </p:blipFill>
-        <p:spPr bwMode="auto">
-          <a:xfrm>
-            <a:off x="4064000" y="1213322"/>
-            <a:ext cx="5080000" cy="3466629"/>
-          </a:xfrm>
-          <a:prstGeom prst="rect">
-            <a:avLst/>
-          </a:prstGeom>
-          <a:noFill/>
-          <a:ln w="9525">
-            <a:noFill/>
-            <a:miter lim="800000"/>
-            <a:headEnd/>
-            <a:tailEnd/>
-          </a:ln>
-        </p:spPr>
-      </p:pic>
-      <p:sp>
-        <p:nvSpPr>
-          <p:cNvPr id="2" name="Otsikko 1"/>
-          <p:cNvSpPr>
-            <a:spLocks noGrp="1"/>
-          </p:cNvSpPr>
-          <p:nvPr>
-            <p:ph type="title"/>
-          </p:nvPr>
-        </p:nvSpPr>
-        <p:spPr>
-          <a:xfrm>
-            <a:off x="467544" y="177868"/>
-            <a:ext cx="8229600" cy="677791"/>
-          </a:xfrm>
-        </p:spPr>
-        <p:txBody>
-          <a:bodyPr/>
-          <a:lstStyle>
-            <a:lvl1pPr>
-              <a:defRPr>
-                <a:solidFill>
-                  <a:srgbClr val="939FA8"/>
-                </a:solidFill>
-              </a:defRPr>
-            </a:lvl1pPr>
-          </a:lstStyle>
-          <a:p>
-            <a:r>
-              <a:rPr lang="en-US" smtClean="0"/>
-              <a:t>Click to edit Master title style</a:t>
-            </a:r>
-            <a:endParaRPr lang="fi-FI" dirty="0"/>
-          </a:p>
-        </p:txBody>
-      </p:sp>
-      <p:sp>
-        <p:nvSpPr>
-          <p:cNvPr id="3" name="Tekstin paikkamerkki 2"/>
-          <p:cNvSpPr>
-            <a:spLocks noGrp="1"/>
-          </p:cNvSpPr>
-          <p:nvPr>
-            <p:ph type="body" idx="1"/>
-          </p:nvPr>
-        </p:nvSpPr>
-        <p:spPr>
-          <a:xfrm>
-            <a:off x="467544" y="1029607"/>
-            <a:ext cx="4040188" cy="436579"/>
-          </a:xfrm>
-        </p:spPr>
-        <p:txBody>
-          <a:bodyPr anchor="b"/>
-          <a:lstStyle>
-            <a:lvl1pPr marL="0" indent="0">
-              <a:buNone/>
-              <a:defRPr sz="1965" b="1">
-                <a:solidFill>
-                  <a:srgbClr val="939FA8"/>
-                </a:solidFill>
-              </a:defRPr>
-            </a:lvl1pPr>
-            <a:lvl2pPr marL="374401" indent="0">
-              <a:buNone/>
-              <a:defRPr sz="1638" b="1"/>
-            </a:lvl2pPr>
-            <a:lvl3pPr marL="748802" indent="0">
-              <a:buNone/>
-              <a:defRPr sz="1474" b="1"/>
-            </a:lvl3pPr>
-            <a:lvl4pPr marL="1123203" indent="0">
-              <a:buNone/>
-              <a:defRPr sz="1310" b="1"/>
-            </a:lvl4pPr>
-            <a:lvl5pPr marL="1497604" indent="0">
-              <a:buNone/>
-              <a:defRPr sz="1310" b="1"/>
-            </a:lvl5pPr>
-            <a:lvl6pPr marL="1872005" indent="0">
-              <a:buNone/>
-              <a:defRPr sz="1310" b="1"/>
-            </a:lvl6pPr>
-            <a:lvl7pPr marL="2246406" indent="0">
-              <a:buNone/>
-              <a:defRPr sz="1310" b="1"/>
-            </a:lvl7pPr>
-            <a:lvl8pPr marL="2620808" indent="0">
-              <a:buNone/>
-              <a:defRPr sz="1310" b="1"/>
-            </a:lvl8pPr>
-            <a:lvl9pPr marL="2995209" indent="0">
-              <a:buNone/>
-              <a:defRPr sz="1310" b="1"/>
-            </a:lvl9pPr>
-          </a:lstStyle>
-          <a:p>
-            <a:pPr lvl="0"/>
-            <a:r>
-              <a:rPr lang="en-US" smtClean="0"/>
-              <a:t>Click to edit Master text styles</a:t>
-            </a:r>
-          </a:p>
-        </p:txBody>
-      </p:sp>
-      <p:sp>
-        <p:nvSpPr>
-          <p:cNvPr id="4" name="Sisällön paikkamerkki 3"/>
-          <p:cNvSpPr>
-            <a:spLocks noGrp="1"/>
-          </p:cNvSpPr>
-          <p:nvPr>
-            <p:ph sz="half" idx="2"/>
-          </p:nvPr>
-        </p:nvSpPr>
-        <p:spPr>
-          <a:xfrm>
-            <a:off x="457200" y="1488237"/>
-            <a:ext cx="4040188" cy="3092468"/>
-          </a:xfrm>
-        </p:spPr>
-        <p:txBody>
-          <a:bodyPr/>
-          <a:lstStyle>
-            <a:lvl1pPr>
-              <a:defRPr sz="1965"/>
-            </a:lvl1pPr>
-            <a:lvl2pPr>
-              <a:defRPr sz="1802"/>
-            </a:lvl2pPr>
-            <a:lvl3pPr marL="884412">
-              <a:defRPr sz="1638"/>
-            </a:lvl3pPr>
-            <a:lvl4pPr marL="1179216">
-              <a:defRPr sz="1474"/>
-            </a:lvl4pPr>
-            <a:lvl5pPr marL="1474020">
-              <a:defRPr sz="1310"/>
-            </a:lvl5pPr>
-            <a:lvl6pPr>
-              <a:defRPr sz="1310"/>
-            </a:lvl6pPr>
-            <a:lvl7pPr>
-              <a:defRPr sz="1310"/>
-            </a:lvl7pPr>
-            <a:lvl8pPr>
-              <a:defRPr sz="1310"/>
-            </a:lvl8pPr>
-            <a:lvl9pPr>
-              <a:defRPr sz="1310"/>
-            </a:lvl9pPr>
-          </a:lstStyle>
-          <a:p>
-            <a:pPr lvl="0"/>
-            <a:r>
-              <a:rPr lang="en-US" smtClean="0"/>
-              <a:t>Click to edit Master text styles</a:t>
-            </a:r>
-          </a:p>
-          <a:p>
-            <a:pPr lvl="1"/>
-            <a:r>
-              <a:rPr lang="en-US" smtClean="0"/>
-              <a:t>Second level</a:t>
-            </a:r>
-          </a:p>
-          <a:p>
-            <a:pPr lvl="2"/>
-            <a:r>
-              <a:rPr lang="en-US" smtClean="0"/>
-              <a:t>Third level</a:t>
-            </a:r>
-          </a:p>
-          <a:p>
-            <a:pPr lvl="3"/>
-            <a:r>
-              <a:rPr lang="en-US" smtClean="0"/>
-              <a:t>Fourth level</a:t>
-            </a:r>
-          </a:p>
-          <a:p>
-            <a:pPr lvl="4"/>
-            <a:r>
-              <a:rPr lang="en-US" smtClean="0"/>
-              <a:t>Fifth level</a:t>
-            </a:r>
-            <a:endParaRPr lang="fi-FI" dirty="0"/>
-          </a:p>
-        </p:txBody>
-      </p:sp>
-      <p:sp>
-        <p:nvSpPr>
-          <p:cNvPr id="5" name="Tekstin paikkamerkki 4"/>
-          <p:cNvSpPr>
-            <a:spLocks noGrp="1"/>
-          </p:cNvSpPr>
-          <p:nvPr>
-            <p:ph type="body" sz="quarter" idx="3"/>
-          </p:nvPr>
-        </p:nvSpPr>
-        <p:spPr>
-          <a:xfrm>
-            <a:off x="4644010" y="1029607"/>
-            <a:ext cx="4041775" cy="436579"/>
-          </a:xfrm>
-        </p:spPr>
-        <p:txBody>
-          <a:bodyPr anchor="b"/>
-          <a:lstStyle>
-            <a:lvl1pPr marL="0" indent="0">
-              <a:buNone/>
-              <a:defRPr sz="1965" b="1">
-                <a:solidFill>
-                  <a:srgbClr val="939FA8"/>
-                </a:solidFill>
-              </a:defRPr>
-            </a:lvl1pPr>
-            <a:lvl2pPr marL="374401" indent="0">
-              <a:buNone/>
-              <a:defRPr sz="1638" b="1"/>
-            </a:lvl2pPr>
-            <a:lvl3pPr marL="748802" indent="0">
-              <a:buNone/>
-              <a:defRPr sz="1474" b="1"/>
-            </a:lvl3pPr>
-            <a:lvl4pPr marL="1123203" indent="0">
-              <a:buNone/>
-              <a:defRPr sz="1310" b="1"/>
-            </a:lvl4pPr>
-            <a:lvl5pPr marL="1497604" indent="0">
-              <a:buNone/>
-              <a:defRPr sz="1310" b="1"/>
-            </a:lvl5pPr>
-            <a:lvl6pPr marL="1872005" indent="0">
-              <a:buNone/>
-              <a:defRPr sz="1310" b="1"/>
-            </a:lvl6pPr>
-            <a:lvl7pPr marL="2246406" indent="0">
-              <a:buNone/>
-              <a:defRPr sz="1310" b="1"/>
-            </a:lvl7pPr>
-            <a:lvl8pPr marL="2620808" indent="0">
-              <a:buNone/>
-              <a:defRPr sz="1310" b="1"/>
-            </a:lvl8pPr>
-            <a:lvl9pPr marL="2995209" indent="0">
-              <a:buNone/>
-              <a:defRPr sz="1310" b="1"/>
-            </a:lvl9pPr>
-          </a:lstStyle>
-          <a:p>
-            <a:pPr lvl="0"/>
-            <a:r>
-              <a:rPr lang="en-US" smtClean="0"/>
-              <a:t>Click to edit Master text styles</a:t>
-            </a:r>
-          </a:p>
-        </p:txBody>
-      </p:sp>
-      <p:sp>
-        <p:nvSpPr>
-          <p:cNvPr id="6" name="Sisällön paikkamerkki 5"/>
-          <p:cNvSpPr>
-            <a:spLocks noGrp="1"/>
-          </p:cNvSpPr>
-          <p:nvPr>
-            <p:ph sz="quarter" idx="4"/>
-          </p:nvPr>
-        </p:nvSpPr>
-        <p:spPr>
-          <a:xfrm>
-            <a:off x="4645029" y="1488237"/>
-            <a:ext cx="4041775" cy="3092468"/>
-          </a:xfrm>
-        </p:spPr>
-        <p:txBody>
-          <a:bodyPr/>
-          <a:lstStyle>
-            <a:lvl1pPr>
-              <a:defRPr sz="1965"/>
-            </a:lvl1pPr>
-            <a:lvl2pPr>
-              <a:defRPr sz="1802"/>
-            </a:lvl2pPr>
-            <a:lvl3pPr marL="884412">
-              <a:defRPr sz="1638"/>
-            </a:lvl3pPr>
-            <a:lvl4pPr marL="1179216">
-              <a:defRPr sz="1474"/>
-            </a:lvl4pPr>
-            <a:lvl5pPr marL="1474020">
-              <a:defRPr sz="1310"/>
-            </a:lvl5pPr>
-            <a:lvl6pPr>
-              <a:defRPr sz="1310"/>
-            </a:lvl6pPr>
-            <a:lvl7pPr>
-              <a:defRPr sz="1310"/>
-            </a:lvl7pPr>
-            <a:lvl8pPr>
-              <a:defRPr sz="1310"/>
-            </a:lvl8pPr>
-            <a:lvl9pPr>
-              <a:defRPr sz="1310"/>
-            </a:lvl9pPr>
-          </a:lstStyle>
-          <a:p>
-            <a:pPr lvl="0"/>
-            <a:r>
-              <a:rPr lang="en-US" smtClean="0"/>
-              <a:t>Click to edit Master text styles</a:t>
-            </a:r>
-          </a:p>
-          <a:p>
-            <a:pPr lvl="1"/>
-            <a:r>
-              <a:rPr lang="en-US" smtClean="0"/>
-              <a:t>Second level</a:t>
-            </a:r>
-          </a:p>
-          <a:p>
-            <a:pPr lvl="2"/>
-            <a:r>
-              <a:rPr lang="en-US" smtClean="0"/>
-              <a:t>Third level</a:t>
-            </a:r>
-          </a:p>
-          <a:p>
-            <a:pPr lvl="3"/>
-            <a:r>
-              <a:rPr lang="en-US" smtClean="0"/>
-              <a:t>Fourth level</a:t>
-            </a:r>
-          </a:p>
-          <a:p>
-            <a:pPr lvl="4"/>
-            <a:r>
-              <a:rPr lang="en-US" smtClean="0"/>
-              <a:t>Fifth level</a:t>
-            </a:r>
-            <a:endParaRPr lang="fi-FI" dirty="0"/>
-          </a:p>
-        </p:txBody>
-      </p:sp>
-    </p:spTree>
-    <p:extLst>
-      <p:ext uri="{BB962C8B-B14F-4D97-AF65-F5344CB8AC3E}">
-        <p14:creationId xmlns:p14="http://schemas.microsoft.com/office/powerpoint/2010/main" val="2833348487"/>
-      </p:ext>
-    </p:extLst>
-  </p:cSld>
-  <p:clrMapOvr>
-    <a:masterClrMapping/>
-  </p:clrMapOvr>
-</p:sldLayout>
-</file>
-
-<file path=ppt/slideLayouts/slideLayout6.xml><?xml version="1.0" encoding="utf-8"?>
 <p:sldLayout xmlns:a="http://schemas.openxmlformats.org/drawingml/2006/main" xmlns:r="http://schemas.openxmlformats.org/officeDocument/2006/relationships" xmlns:p="http://schemas.openxmlformats.org/presentationml/2006/main" showMasterSp="0" type="titleOnly" preserve="1">
   <p:cSld name="Title Only">
     <p:spTree>
@@ -2455,407 +540,6 @@
 </p:sldLayout>
 </file>
 
-<file path=ppt/slideLayouts/slideLayout7.xml><?xml version="1.0" encoding="utf-8"?>
-<p:sldLayout xmlns:a="http://schemas.openxmlformats.org/drawingml/2006/main" xmlns:r="http://schemas.openxmlformats.org/officeDocument/2006/relationships" xmlns:p="http://schemas.openxmlformats.org/presentationml/2006/main" showMasterSp="0" type="blank" preserve="1">
-  <p:cSld name="Blank slide">
-    <p:spTree>
-      <p:nvGrpSpPr>
-        <p:cNvPr id="1" name=""/>
-        <p:cNvGrpSpPr/>
-        <p:nvPr/>
-      </p:nvGrpSpPr>
-      <p:grpSpPr>
-        <a:xfrm>
-          <a:off x="0" y="0"/>
-          <a:ext cx="0" cy="0"/>
-          <a:chOff x="0" y="0"/>
-          <a:chExt cx="0" cy="0"/>
-        </a:xfrm>
-      </p:grpSpPr>
-      <p:pic>
-        <p:nvPicPr>
-          <p:cNvPr id="2" name="Kuva 10" descr="8890755.jpg"/>
-          <p:cNvPicPr>
-            <a:picLocks noChangeAspect="1"/>
-          </p:cNvPicPr>
-          <p:nvPr/>
-        </p:nvPicPr>
-        <p:blipFill>
-          <a:blip r:embed="rId2" cstate="print"/>
-          <a:srcRect/>
-          <a:stretch>
-            <a:fillRect/>
-          </a:stretch>
-        </p:blipFill>
-        <p:spPr bwMode="auto">
-          <a:xfrm>
-            <a:off x="4064000" y="1213322"/>
-            <a:ext cx="5080000" cy="3466629"/>
-          </a:xfrm>
-          <a:prstGeom prst="rect">
-            <a:avLst/>
-          </a:prstGeom>
-          <a:noFill/>
-          <a:ln w="9525">
-            <a:noFill/>
-            <a:miter lim="800000"/>
-            <a:headEnd/>
-            <a:tailEnd/>
-          </a:ln>
-        </p:spPr>
-      </p:pic>
-    </p:spTree>
-    <p:extLst>
-      <p:ext uri="{BB962C8B-B14F-4D97-AF65-F5344CB8AC3E}">
-        <p14:creationId xmlns:p14="http://schemas.microsoft.com/office/powerpoint/2010/main" val="1910431855"/>
-      </p:ext>
-    </p:extLst>
-  </p:cSld>
-  <p:clrMapOvr>
-    <a:masterClrMapping/>
-  </p:clrMapOvr>
-</p:sldLayout>
-</file>
-
-<file path=ppt/slideLayouts/slideLayout8.xml><?xml version="1.0" encoding="utf-8"?>
-<p:sldLayout xmlns:a="http://schemas.openxmlformats.org/drawingml/2006/main" xmlns:r="http://schemas.openxmlformats.org/officeDocument/2006/relationships" xmlns:p="http://schemas.openxmlformats.org/presentationml/2006/main" preserve="1">
-  <p:cSld name="Code example">
-    <p:spTree>
-      <p:nvGrpSpPr>
-        <p:cNvPr id="1" name=""/>
-        <p:cNvGrpSpPr/>
-        <p:nvPr/>
-      </p:nvGrpSpPr>
-      <p:grpSpPr>
-        <a:xfrm>
-          <a:off x="0" y="0"/>
-          <a:ext cx="0" cy="0"/>
-          <a:chOff x="0" y="0"/>
-          <a:chExt cx="0" cy="0"/>
-        </a:xfrm>
-      </p:grpSpPr>
-      <p:sp>
-        <p:nvSpPr>
-          <p:cNvPr id="4" name="Tekstin paikkamerkki 3"/>
-          <p:cNvSpPr>
-            <a:spLocks noGrp="1"/>
-          </p:cNvSpPr>
-          <p:nvPr>
-            <p:ph type="body" sz="half" idx="2"/>
-          </p:nvPr>
-        </p:nvSpPr>
-        <p:spPr>
-          <a:xfrm>
-            <a:off x="457202" y="1029607"/>
-            <a:ext cx="5194918" cy="3537993"/>
-          </a:xfrm>
-        </p:spPr>
-        <p:txBody>
-          <a:bodyPr/>
-          <a:lstStyle>
-            <a:lvl1pPr marL="0" indent="0">
-              <a:buNone/>
-              <a:defRPr sz="1310" b="1">
-                <a:latin typeface="Consolas" pitchFamily="49" charset="0"/>
-                <a:ea typeface="DejaVu Sans Mono" pitchFamily="49" charset="0"/>
-                <a:cs typeface="Consolas" pitchFamily="49" charset="0"/>
-              </a:defRPr>
-            </a:lvl1pPr>
-            <a:lvl2pPr marL="374401" indent="0">
-              <a:buNone/>
-              <a:defRPr sz="983"/>
-            </a:lvl2pPr>
-            <a:lvl3pPr marL="748802" indent="0">
-              <a:buNone/>
-              <a:defRPr sz="819"/>
-            </a:lvl3pPr>
-            <a:lvl4pPr marL="1123203" indent="0">
-              <a:buNone/>
-              <a:defRPr sz="737"/>
-            </a:lvl4pPr>
-            <a:lvl5pPr marL="1497604" indent="0">
-              <a:buNone/>
-              <a:defRPr sz="737"/>
-            </a:lvl5pPr>
-            <a:lvl6pPr marL="1872005" indent="0">
-              <a:buNone/>
-              <a:defRPr sz="737"/>
-            </a:lvl6pPr>
-            <a:lvl7pPr marL="2246406" indent="0">
-              <a:buNone/>
-              <a:defRPr sz="737"/>
-            </a:lvl7pPr>
-            <a:lvl8pPr marL="2620808" indent="0">
-              <a:buNone/>
-              <a:defRPr sz="737"/>
-            </a:lvl8pPr>
-            <a:lvl9pPr marL="2995209" indent="0">
-              <a:buNone/>
-              <a:defRPr sz="737"/>
-            </a:lvl9pPr>
-          </a:lstStyle>
-          <a:p>
-            <a:pPr lvl="0"/>
-            <a:r>
-              <a:rPr lang="en-US" smtClean="0"/>
-              <a:t>Click to edit Master text styles</a:t>
-            </a:r>
-          </a:p>
-        </p:txBody>
-      </p:sp>
-      <p:sp>
-        <p:nvSpPr>
-          <p:cNvPr id="5" name="Otsikko 1"/>
-          <p:cNvSpPr>
-            <a:spLocks noGrp="1"/>
-          </p:cNvSpPr>
-          <p:nvPr>
-            <p:ph type="title"/>
-          </p:nvPr>
-        </p:nvSpPr>
-        <p:spPr>
-          <a:xfrm>
-            <a:off x="467544" y="177868"/>
-            <a:ext cx="8229600" cy="678160"/>
-          </a:xfrm>
-        </p:spPr>
-        <p:txBody>
-          <a:bodyPr/>
-          <a:lstStyle/>
-          <a:p>
-            <a:r>
-              <a:rPr lang="en-US" smtClean="0"/>
-              <a:t>Click to edit Master title style</a:t>
-            </a:r>
-            <a:endParaRPr lang="fi-FI"/>
-          </a:p>
-        </p:txBody>
-      </p:sp>
-    </p:spTree>
-    <p:extLst>
-      <p:ext uri="{BB962C8B-B14F-4D97-AF65-F5344CB8AC3E}">
-        <p14:creationId xmlns:p14="http://schemas.microsoft.com/office/powerpoint/2010/main" val="948419226"/>
-      </p:ext>
-    </p:extLst>
-  </p:cSld>
-  <p:clrMapOvr>
-    <a:masterClrMapping/>
-  </p:clrMapOvr>
-</p:sldLayout>
-</file>
-
-<file path=ppt/slideLayouts/slideLayout9.xml><?xml version="1.0" encoding="utf-8"?>
-<p:sldLayout xmlns:a="http://schemas.openxmlformats.org/drawingml/2006/main" xmlns:r="http://schemas.openxmlformats.org/officeDocument/2006/relationships" xmlns:p="http://schemas.openxmlformats.org/presentationml/2006/main" preserve="1">
-  <p:cSld name="Code example with remarks">
-    <p:spTree>
-      <p:nvGrpSpPr>
-        <p:cNvPr id="1" name=""/>
-        <p:cNvGrpSpPr/>
-        <p:nvPr/>
-      </p:nvGrpSpPr>
-      <p:grpSpPr>
-        <a:xfrm>
-          <a:off x="0" y="0"/>
-          <a:ext cx="0" cy="0"/>
-          <a:chOff x="0" y="0"/>
-          <a:chExt cx="0" cy="0"/>
-        </a:xfrm>
-      </p:grpSpPr>
-      <p:sp>
-        <p:nvSpPr>
-          <p:cNvPr id="3" name="Sisällön paikkamerkki 2"/>
-          <p:cNvSpPr>
-            <a:spLocks noGrp="1"/>
-          </p:cNvSpPr>
-          <p:nvPr>
-            <p:ph idx="1"/>
-          </p:nvPr>
-        </p:nvSpPr>
-        <p:spPr>
-          <a:xfrm>
-            <a:off x="4860032" y="1029607"/>
-            <a:ext cx="3826768" cy="3537993"/>
-          </a:xfrm>
-        </p:spPr>
-        <p:txBody>
-          <a:bodyPr/>
-          <a:lstStyle>
-            <a:lvl1pPr>
-              <a:defRPr sz="1965"/>
-            </a:lvl1pPr>
-            <a:lvl2pPr>
-              <a:defRPr sz="1802"/>
-            </a:lvl2pPr>
-            <a:lvl3pPr>
-              <a:defRPr sz="1638"/>
-            </a:lvl3pPr>
-            <a:lvl4pPr>
-              <a:defRPr sz="1474"/>
-            </a:lvl4pPr>
-            <a:lvl5pPr>
-              <a:defRPr sz="1310"/>
-            </a:lvl5pPr>
-            <a:lvl6pPr>
-              <a:defRPr sz="1638"/>
-            </a:lvl6pPr>
-            <a:lvl7pPr>
-              <a:defRPr sz="1638"/>
-            </a:lvl7pPr>
-            <a:lvl8pPr>
-              <a:defRPr sz="1638"/>
-            </a:lvl8pPr>
-            <a:lvl9pPr>
-              <a:defRPr sz="1638"/>
-            </a:lvl9pPr>
-          </a:lstStyle>
-          <a:p>
-            <a:pPr lvl="0"/>
-            <a:r>
-              <a:rPr lang="en-US" smtClean="0"/>
-              <a:t>Click to edit Master text styles</a:t>
-            </a:r>
-          </a:p>
-          <a:p>
-            <a:pPr lvl="1"/>
-            <a:r>
-              <a:rPr lang="en-US" smtClean="0"/>
-              <a:t>Second level</a:t>
-            </a:r>
-          </a:p>
-          <a:p>
-            <a:pPr lvl="2"/>
-            <a:r>
-              <a:rPr lang="en-US" smtClean="0"/>
-              <a:t>Third level</a:t>
-            </a:r>
-          </a:p>
-          <a:p>
-            <a:pPr lvl="3"/>
-            <a:r>
-              <a:rPr lang="en-US" smtClean="0"/>
-              <a:t>Fourth level</a:t>
-            </a:r>
-          </a:p>
-          <a:p>
-            <a:pPr lvl="4"/>
-            <a:r>
-              <a:rPr lang="en-US" smtClean="0"/>
-              <a:t>Fifth level</a:t>
-            </a:r>
-            <a:endParaRPr lang="fi-FI" dirty="0"/>
-          </a:p>
-        </p:txBody>
-      </p:sp>
-      <p:sp>
-        <p:nvSpPr>
-          <p:cNvPr id="4" name="Tekstin paikkamerkki 3"/>
-          <p:cNvSpPr>
-            <a:spLocks noGrp="1"/>
-          </p:cNvSpPr>
-          <p:nvPr>
-            <p:ph type="body" sz="half" idx="2"/>
-          </p:nvPr>
-        </p:nvSpPr>
-        <p:spPr>
-          <a:xfrm>
-            <a:off x="457202" y="1029607"/>
-            <a:ext cx="4330822" cy="3537993"/>
-          </a:xfrm>
-        </p:spPr>
-        <p:txBody>
-          <a:bodyPr/>
-          <a:lstStyle>
-            <a:lvl1pPr marL="0" indent="0">
-              <a:buNone/>
-              <a:defRPr sz="1310" b="1">
-                <a:latin typeface="Consolas" pitchFamily="49" charset="0"/>
-                <a:ea typeface="DejaVu Sans Mono" pitchFamily="49" charset="0"/>
-                <a:cs typeface="Consolas" pitchFamily="49" charset="0"/>
-              </a:defRPr>
-            </a:lvl1pPr>
-            <a:lvl2pPr marL="374401" indent="0">
-              <a:buNone/>
-              <a:defRPr sz="983"/>
-            </a:lvl2pPr>
-            <a:lvl3pPr marL="748802" indent="0">
-              <a:buNone/>
-              <a:defRPr sz="819"/>
-            </a:lvl3pPr>
-            <a:lvl4pPr marL="1123203" indent="0">
-              <a:buNone/>
-              <a:defRPr sz="737"/>
-            </a:lvl4pPr>
-            <a:lvl5pPr marL="1497604" indent="0">
-              <a:buNone/>
-              <a:defRPr sz="737"/>
-            </a:lvl5pPr>
-            <a:lvl6pPr marL="1872005" indent="0">
-              <a:buNone/>
-              <a:defRPr sz="737"/>
-            </a:lvl6pPr>
-            <a:lvl7pPr marL="2246406" indent="0">
-              <a:buNone/>
-              <a:defRPr sz="737"/>
-            </a:lvl7pPr>
-            <a:lvl8pPr marL="2620808" indent="0">
-              <a:buNone/>
-              <a:defRPr sz="737"/>
-            </a:lvl8pPr>
-            <a:lvl9pPr marL="2995209" indent="0">
-              <a:buNone/>
-              <a:defRPr sz="737"/>
-            </a:lvl9pPr>
-          </a:lstStyle>
-          <a:p>
-            <a:pPr lvl="0"/>
-            <a:r>
-              <a:rPr lang="en-US" smtClean="0"/>
-              <a:t>Click to edit Master text styles</a:t>
-            </a:r>
-          </a:p>
-        </p:txBody>
-      </p:sp>
-      <p:sp>
-        <p:nvSpPr>
-          <p:cNvPr id="5" name="Otsikko 1"/>
-          <p:cNvSpPr>
-            <a:spLocks noGrp="1"/>
-          </p:cNvSpPr>
-          <p:nvPr>
-            <p:ph type="title"/>
-          </p:nvPr>
-        </p:nvSpPr>
-        <p:spPr>
-          <a:xfrm>
-            <a:off x="467544" y="177868"/>
-            <a:ext cx="8229600" cy="678160"/>
-          </a:xfrm>
-        </p:spPr>
-        <p:txBody>
-          <a:bodyPr/>
-          <a:lstStyle/>
-          <a:p>
-            <a:r>
-              <a:rPr lang="en-US" smtClean="0"/>
-              <a:t>Click to edit Master title style</a:t>
-            </a:r>
-            <a:endParaRPr lang="fi-FI"/>
-          </a:p>
-        </p:txBody>
-      </p:sp>
-    </p:spTree>
-    <p:extLst>
-      <p:ext uri="{BB962C8B-B14F-4D97-AF65-F5344CB8AC3E}">
-        <p14:creationId xmlns:p14="http://schemas.microsoft.com/office/powerpoint/2010/main" val="970999246"/>
-      </p:ext>
-    </p:extLst>
-  </p:cSld>
-  <p:clrMapOvr>
-    <a:masterClrMapping/>
-  </p:clrMapOvr>
-</p:sldLayout>
-</file>
-
 <file path=ppt/slideMasters/slideMaster1.xml><?xml version="1.0" encoding="utf-8"?>
 <p:sldMaster xmlns:a="http://schemas.openxmlformats.org/drawingml/2006/main" xmlns:r="http://schemas.openxmlformats.org/officeDocument/2006/relationships" xmlns:p="http://schemas.openxmlformats.org/presentationml/2006/main">
   <p:cSld>
@@ -2878,38 +562,6 @@
           <a:chExt cx="0" cy="0"/>
         </a:xfrm>
       </p:grpSpPr>
-      <p:pic>
-        <p:nvPicPr>
-          <p:cNvPr id="1026" name="Kuva 10" descr="8890755.jpg"/>
-          <p:cNvPicPr>
-            <a:picLocks noChangeAspect="1"/>
-          </p:cNvPicPr>
-          <p:nvPr/>
-        </p:nvPicPr>
-        <p:blipFill>
-          <a:blip r:embed="rId15" cstate="print"/>
-          <a:srcRect/>
-          <a:stretch>
-            <a:fillRect/>
-          </a:stretch>
-        </p:blipFill>
-        <p:spPr bwMode="auto">
-          <a:xfrm>
-            <a:off x="4064000" y="1213322"/>
-            <a:ext cx="5080000" cy="3466629"/>
-          </a:xfrm>
-          <a:prstGeom prst="rect">
-            <a:avLst/>
-          </a:prstGeom>
-          <a:noFill/>
-          <a:ln w="9525">
-            <a:noFill/>
-            <a:miter lim="800000"/>
-            <a:headEnd/>
-            <a:tailEnd/>
-          </a:ln>
-        </p:spPr>
-      </p:pic>
       <p:sp>
         <p:nvSpPr>
           <p:cNvPr id="1027" name="Otsikon paikkamerkki 1"/>
@@ -3039,19 +691,7 @@
   </p:cSld>
   <p:clrMap bg1="lt1" tx1="dk1" bg2="lt2" tx2="dk2" accent1="accent1" accent2="accent2" accent3="accent3" accent4="accent4" accent5="accent5" accent6="accent6" hlink="hlink" folHlink="folHlink"/>
   <p:sldLayoutIdLst>
-    <p:sldLayoutId id="2147483709" r:id="rId1"/>
-    <p:sldLayoutId id="2147483710" r:id="rId2"/>
-    <p:sldLayoutId id="2147483711" r:id="rId3"/>
-    <p:sldLayoutId id="2147483712" r:id="rId4"/>
-    <p:sldLayoutId id="2147483713" r:id="rId5"/>
-    <p:sldLayoutId id="2147483714" r:id="rId6"/>
-    <p:sldLayoutId id="2147483715" r:id="rId7"/>
-    <p:sldLayoutId id="2147483716" r:id="rId8"/>
-    <p:sldLayoutId id="2147483717" r:id="rId9"/>
-    <p:sldLayoutId id="2147483718" r:id="rId10"/>
-    <p:sldLayoutId id="2147483696" r:id="rId11"/>
-    <p:sldLayoutId id="2147483694" r:id="rId12"/>
-    <p:sldLayoutId id="2147483695" r:id="rId13"/>
+    <p:sldLayoutId id="2147483714" r:id="rId1"/>
   </p:sldLayoutIdLst>
   <p:txStyles>
     <p:titleStyle>
@@ -3202,7 +842,7 @@
         </a:spcAft>
         <a:buSzPct val="100000"/>
         <a:buBlip>
-          <a:blip r:embed="rId16"/>
+          <a:blip r:embed="rId3"/>
         </a:buBlip>
         <a:defRPr sz="2129" kern="1200">
           <a:solidFill>
@@ -3572,27 +1212,7 @@
                   <a:latin typeface="Corbel" panose="020B0503020204020204" pitchFamily="34" charset="0"/>
                   <a:cs typeface="Consolas" panose="020B0609020204030204" pitchFamily="49" charset="0"/>
                 </a:rPr>
-                <a:t>a </a:t>
-              </a:r>
-              <a:r>
-                <a:rPr lang="en-US" sz="2000" b="1" dirty="0">
-                  <a:solidFill>
-                    <a:schemeClr val="tx1"/>
-                  </a:solidFill>
-                  <a:latin typeface="Corbel" panose="020B0503020204020204" pitchFamily="34" charset="0"/>
-                  <a:cs typeface="Consolas" panose="020B0609020204030204" pitchFamily="49" charset="0"/>
-                </a:rPr>
-                <a:t>→ </a:t>
-              </a:r>
-              <a:r>
-                <a:rPr lang="en-US" sz="2000" b="1" dirty="0">
-                  <a:solidFill>
-                    <a:schemeClr val="tx1"/>
-                  </a:solidFill>
-                  <a:latin typeface="Corbel" panose="020B0503020204020204" pitchFamily="34" charset="0"/>
-                  <a:cs typeface="Consolas" panose="020B0609020204030204" pitchFamily="49" charset="0"/>
-                </a:rPr>
-                <a:t>0</a:t>
+                <a:t>a → 0</a:t>
               </a:r>
               <a:endParaRPr lang="en-US" sz="2000" dirty="0">
                 <a:solidFill>
@@ -3664,17 +1284,7 @@
                   <a:latin typeface="Corbel" panose="020B0503020204020204" pitchFamily="34" charset="0"/>
                   <a:cs typeface="Consolas" panose="020B0609020204030204" pitchFamily="49" charset="0"/>
                 </a:rPr>
-                <a:t>a </a:t>
-              </a:r>
-              <a:r>
-                <a:rPr lang="en-US" sz="2000" b="1" dirty="0">
-                  <a:solidFill>
-                    <a:schemeClr val="tx1"/>
-                  </a:solidFill>
-                  <a:latin typeface="Corbel" panose="020B0503020204020204" pitchFamily="34" charset="0"/>
-                  <a:cs typeface="Consolas" panose="020B0609020204030204" pitchFamily="49" charset="0"/>
-                </a:rPr>
-                <a:t>= a + 1</a:t>
+                <a:t>a = a + 1</a:t>
               </a:r>
               <a:endParaRPr lang="en-US" sz="2000" dirty="0">
                 <a:solidFill>
@@ -3778,14 +1388,6 @@
                 </a:rPr>
                 <a:t>1</a:t>
               </a:r>
-              <a:endParaRPr lang="en-US" sz="2000" b="1" dirty="0">
-                <a:solidFill>
-                  <a:prstClr val="black"/>
-                </a:solidFill>
-                <a:latin typeface="Corbel" panose="020B0503020204020204" pitchFamily="34" charset="0"/>
-                <a:ea typeface="Verdana" pitchFamily="34" charset="0"/>
-                <a:cs typeface="Consolas" panose="020B0609020204030204" pitchFamily="49" charset="0"/>
-              </a:endParaRPr>
             </a:p>
           </p:txBody>
         </p:sp>
@@ -3847,27 +1449,7 @@
                   <a:latin typeface="Corbel" panose="020B0503020204020204" pitchFamily="34" charset="0"/>
                   <a:cs typeface="Consolas" panose="020B0609020204030204" pitchFamily="49" charset="0"/>
                 </a:rPr>
-                <a:t>a </a:t>
-              </a:r>
-              <a:r>
-                <a:rPr lang="en-US" sz="2000" b="1" dirty="0">
-                  <a:solidFill>
-                    <a:schemeClr val="tx1"/>
-                  </a:solidFill>
-                  <a:latin typeface="Corbel" panose="020B0503020204020204" pitchFamily="34" charset="0"/>
-                  <a:cs typeface="Consolas" panose="020B0609020204030204" pitchFamily="49" charset="0"/>
-                </a:rPr>
-                <a:t>→ </a:t>
-              </a:r>
-              <a:r>
-                <a:rPr lang="en-US" sz="2000" b="1" dirty="0">
-                  <a:solidFill>
-                    <a:schemeClr val="tx1"/>
-                  </a:solidFill>
-                  <a:latin typeface="Corbel" panose="020B0503020204020204" pitchFamily="34" charset="0"/>
-                  <a:cs typeface="Consolas" panose="020B0609020204030204" pitchFamily="49" charset="0"/>
-                </a:rPr>
-                <a:t>0</a:t>
+                <a:t>a → 0</a:t>
               </a:r>
               <a:endParaRPr lang="en-US" sz="2000" dirty="0">
                 <a:solidFill>
@@ -3936,17 +1518,7 @@
                   <a:latin typeface="Corbel" panose="020B0503020204020204" pitchFamily="34" charset="0"/>
                   <a:cs typeface="Consolas" panose="020B0609020204030204" pitchFamily="49" charset="0"/>
                 </a:rPr>
-                <a:t>a </a:t>
-              </a:r>
-              <a:r>
-                <a:rPr lang="en-US" sz="2000" b="1" dirty="0">
-                  <a:solidFill>
-                    <a:schemeClr val="tx1"/>
-                  </a:solidFill>
-                  <a:latin typeface="Corbel" panose="020B0503020204020204" pitchFamily="34" charset="0"/>
-                  <a:cs typeface="Consolas" panose="020B0609020204030204" pitchFamily="49" charset="0"/>
-                </a:rPr>
-                <a:t>= a + 1</a:t>
+                <a:t>a = a + 1</a:t>
               </a:r>
               <a:endParaRPr lang="en-US" sz="2000" dirty="0">
                 <a:solidFill>
@@ -4047,14 +1619,6 @@
                 </a:rPr>
                 <a:t>1</a:t>
               </a:r>
-              <a:endParaRPr lang="en-US" sz="2000" b="1" dirty="0">
-                <a:solidFill>
-                  <a:prstClr val="black"/>
-                </a:solidFill>
-                <a:latin typeface="Corbel" panose="020B0503020204020204" pitchFamily="34" charset="0"/>
-                <a:ea typeface="Verdana" pitchFamily="34" charset="0"/>
-                <a:cs typeface="Consolas" panose="020B0609020204030204" pitchFamily="49" charset="0"/>
-              </a:endParaRPr>
             </a:p>
           </p:txBody>
         </p:sp>
@@ -5384,6 +2948,32 @@
 </file>
 
 <file path=customXml/item1.xml><?xml version="1.0" encoding="utf-8"?>
+<?mso-contentType ?>
+<FormTemplates xmlns="http://schemas.microsoft.com/sharepoint/v3/contenttype/forms">
+  <Display>DocumentLibraryForm</Display>
+  <Edit>DocumentLibraryForm</Edit>
+  <New>DocumentLibraryForm</New>
+</FormTemplates>
+</file>
+
+<file path=customXml/item2.xml><?xml version="1.0" encoding="utf-8"?>
+<p:properties xmlns:p="http://schemas.microsoft.com/office/2006/metadata/properties" xmlns:xsi="http://www.w3.org/2001/XMLSchema-instance">
+  <documentManagement>
+    <Tags xmlns="674666c1-10d8-4775-9ca8-b27fd87d6757">csc, presentation, slides</Tags>
+    <CSCCategory xmlns="674666c1-10d8-4775-9ca8-b27fd87d6757">Presentation Material</CSCCategory>
+    <URL xmlns="http://schemas.microsoft.com/sharepoint/v3">
+      <Url xsi:nil="true"/>
+      <Description xsi:nil="true"/>
+    </URL>
+    <Group1 xmlns="674666c1-10d8-4775-9ca8-b27fd87d6757">PR</Group1>
+    <Language xmlns="af66b30b-4ccb-423c-a54a-c96f302fc84a">
+      <Value>English</Value>
+    </Language>
+  </documentManagement>
+</p:properties>
+</file>
+
+<file path=customXml/item3.xml><?xml version="1.0" encoding="utf-8"?>
 <ct:contentTypeSchema xmlns:ct="http://schemas.microsoft.com/office/2006/metadata/contentType" xmlns:ma="http://schemas.microsoft.com/office/2006/metadata/properties/metaAttributes" ct:_="" ma:_="" ma:contentTypeName="CSC Guideline Document" ma:contentTypeID="0x010100AEF605ABEBF9D04BAA9852A579F4D094010018D61D2DE79F7D438A400C2DEAF6AA36" ma:contentTypeVersion="23" ma:contentTypeDescription="CSC's guideline document type. Includes Category field." ma:contentTypeScope="" ma:versionID="7fd3b1052beb6fc0365a90bfe8b6b6ac">
   <xsd:schema xmlns:xsd="http://www.w3.org/2001/XMLSchema" xmlns:p="http://schemas.microsoft.com/office/2006/metadata/properties" xmlns:ns1="http://schemas.microsoft.com/sharepoint/v3" xmlns:ns2="674666c1-10d8-4775-9ca8-b27fd87d6757" xmlns:ns4="af66b30b-4ccb-423c-a54a-c96f302fc84a" targetNamespace="http://schemas.microsoft.com/office/2006/metadata/properties" ma:root="true" ma:fieldsID="06c2f234a56714d09bac3343b79ceac8" ns1:_="" ns2:_="" ns4:_="">
     <xsd:import namespace="http://schemas.microsoft.com/sharepoint/v3"/>
@@ -5519,33 +3109,32 @@
 </ct:contentTypeSchema>
 </file>
 
-<file path=customXml/item2.xml><?xml version="1.0" encoding="utf-8"?>
-<p:properties xmlns:p="http://schemas.microsoft.com/office/2006/metadata/properties" xmlns:xsi="http://www.w3.org/2001/XMLSchema-instance">
-  <documentManagement>
-    <Tags xmlns="674666c1-10d8-4775-9ca8-b27fd87d6757">csc, presentation, slides</Tags>
-    <CSCCategory xmlns="674666c1-10d8-4775-9ca8-b27fd87d6757">Presentation Material</CSCCategory>
-    <URL xmlns="http://schemas.microsoft.com/sharepoint/v3">
-      <Url xsi:nil="true"/>
-      <Description xsi:nil="true"/>
-    </URL>
-    <Group1 xmlns="674666c1-10d8-4775-9ca8-b27fd87d6757">PR</Group1>
-    <Language xmlns="af66b30b-4ccb-423c-a54a-c96f302fc84a">
-      <Value>English</Value>
-    </Language>
-  </documentManagement>
-</p:properties>
+<file path=customXml/itemProps1.xml><?xml version="1.0" encoding="utf-8"?>
+<ds:datastoreItem xmlns:ds="http://schemas.openxmlformats.org/officeDocument/2006/customXml" ds:itemID="{3BC2B4B6-77AF-480C-B46D-C9EF71C9673C}">
+  <ds:schemaRefs>
+    <ds:schemaRef ds:uri="http://schemas.microsoft.com/sharepoint/v3/contenttype/forms"/>
+  </ds:schemaRefs>
+</ds:datastoreItem>
 </file>
 
-<file path=customXml/item3.xml><?xml version="1.0" encoding="utf-8"?>
-<?mso-contentType ?>
-<FormTemplates xmlns="http://schemas.microsoft.com/sharepoint/v3/contenttype/forms">
-  <Display>DocumentLibraryForm</Display>
-  <Edit>DocumentLibraryForm</Edit>
-  <New>DocumentLibraryForm</New>
-</FormTemplates>
+<file path=customXml/itemProps2.xml><?xml version="1.0" encoding="utf-8"?>
+<ds:datastoreItem xmlns:ds="http://schemas.openxmlformats.org/officeDocument/2006/customXml" ds:itemID="{615B6566-6BC3-4E54-B80B-07FE241674D7}">
+  <ds:schemaRefs>
+    <ds:schemaRef ds:uri="http://www.w3.org/XML/1998/namespace"/>
+    <ds:schemaRef ds:uri="http://purl.org/dc/elements/1.1/"/>
+    <ds:schemaRef ds:uri="http://schemas.openxmlformats.org/package/2006/metadata/core-properties"/>
+    <ds:schemaRef ds:uri="674666c1-10d8-4775-9ca8-b27fd87d6757"/>
+    <ds:schemaRef ds:uri="http://schemas.microsoft.com/office/2006/documentManagement/types"/>
+    <ds:schemaRef ds:uri="http://purl.org/dc/terms/"/>
+    <ds:schemaRef ds:uri="af66b30b-4ccb-423c-a54a-c96f302fc84a"/>
+    <ds:schemaRef ds:uri="http://schemas.microsoft.com/sharepoint/v3"/>
+    <ds:schemaRef ds:uri="http://schemas.microsoft.com/office/2006/metadata/properties"/>
+    <ds:schemaRef ds:uri="http://purl.org/dc/dcmitype/"/>
+  </ds:schemaRefs>
+</ds:datastoreItem>
 </file>
 
-<file path=customXml/itemProps1.xml><?xml version="1.0" encoding="utf-8"?>
+<file path=customXml/itemProps3.xml><?xml version="1.0" encoding="utf-8"?>
 <ds:datastoreItem xmlns:ds="http://schemas.openxmlformats.org/officeDocument/2006/customXml" ds:itemID="{F9336583-5841-4229-8F9B-DA9E517F154F}">
   <ds:schemaRefs>
     <ds:schemaRef ds:uri="http://schemas.microsoft.com/office/2006/metadata/contentType"/>
@@ -5562,29 +3151,4 @@
     <ds:schemaRef ds:uri="http://schemas.microsoft.com/office/internal/2005/internalDocumentation"/>
   </ds:schemaRefs>
 </ds:datastoreItem>
-</file>
-
-<file path=customXml/itemProps2.xml><?xml version="1.0" encoding="utf-8"?>
-<ds:datastoreItem xmlns:ds="http://schemas.openxmlformats.org/officeDocument/2006/customXml" ds:itemID="{615B6566-6BC3-4E54-B80B-07FE241674D7}">
-  <ds:schemaRefs>
-    <ds:schemaRef ds:uri="http://www.w3.org/XML/1998/namespace"/>
-    <ds:schemaRef ds:uri="http://schemas.microsoft.com/office/2006/documentManagement/types"/>
-    <ds:schemaRef ds:uri="http://purl.org/dc/elements/1.1/"/>
-    <ds:schemaRef ds:uri="http://purl.org/dc/terms/"/>
-    <ds:schemaRef ds:uri="http://schemas.microsoft.com/office/2006/metadata/properties"/>
-    <ds:schemaRef ds:uri="674666c1-10d8-4775-9ca8-b27fd87d6757"/>
-    <ds:schemaRef ds:uri="http://schemas.microsoft.com/sharepoint/v3"/>
-    <ds:schemaRef ds:uri="http://purl.org/dc/dcmitype/"/>
-    <ds:schemaRef ds:uri="http://schemas.openxmlformats.org/package/2006/metadata/core-properties"/>
-    <ds:schemaRef ds:uri="af66b30b-4ccb-423c-a54a-c96f302fc84a"/>
-  </ds:schemaRefs>
-</ds:datastoreItem>
-</file>
-
-<file path=customXml/itemProps3.xml><?xml version="1.0" encoding="utf-8"?>
-<ds:datastoreItem xmlns:ds="http://schemas.openxmlformats.org/officeDocument/2006/customXml" ds:itemID="{3BC2B4B6-77AF-480C-B46D-C9EF71C9673C}">
-  <ds:schemaRefs>
-    <ds:schemaRef ds:uri="http://schemas.microsoft.com/sharepoint/v3/contenttype/forms"/>
-  </ds:schemaRefs>
-</ds:datastoreItem>
 </file>